--- a/docs/GGpresentation.pptx
+++ b/docs/GGpresentation.pptx
@@ -7,15 +7,27 @@
   <p:sldIdLst>
     <p:sldId id="261" r:id="rId5"/>
     <p:sldId id="262" r:id="rId6"/>
-    <p:sldId id="263" r:id="rId7"/>
-    <p:sldId id="264" r:id="rId8"/>
-    <p:sldId id="265" r:id="rId9"/>
-    <p:sldId id="266" r:id="rId10"/>
-    <p:sldId id="267" r:id="rId11"/>
-    <p:sldId id="268" r:id="rId12"/>
-    <p:sldId id="269" r:id="rId13"/>
-    <p:sldId id="270" r:id="rId14"/>
-    <p:sldId id="271" r:id="rId15"/>
+    <p:sldId id="283" r:id="rId7"/>
+    <p:sldId id="282" r:id="rId8"/>
+    <p:sldId id="263" r:id="rId9"/>
+    <p:sldId id="273" r:id="rId10"/>
+    <p:sldId id="274" r:id="rId11"/>
+    <p:sldId id="264" r:id="rId12"/>
+    <p:sldId id="280" r:id="rId13"/>
+    <p:sldId id="275" r:id="rId14"/>
+    <p:sldId id="276" r:id="rId15"/>
+    <p:sldId id="277" r:id="rId16"/>
+    <p:sldId id="278" r:id="rId17"/>
+    <p:sldId id="279" r:id="rId18"/>
+    <p:sldId id="281" r:id="rId19"/>
+    <p:sldId id="265" r:id="rId20"/>
+    <p:sldId id="266" r:id="rId21"/>
+    <p:sldId id="284" r:id="rId22"/>
+    <p:sldId id="272" r:id="rId23"/>
+    <p:sldId id="267" r:id="rId24"/>
+    <p:sldId id="268" r:id="rId25"/>
+    <p:sldId id="270" r:id="rId26"/>
+    <p:sldId id="271" r:id="rId27"/>
   </p:sldIdLst>
   <p:sldSz cx="9144000" cy="6858000" type="screen4x3"/>
   <p:notesSz cx="6858000" cy="9144000"/>
@@ -116,7 +128,7 @@
   </p:defaultTextStyle>
   <p:extLst>
     <p:ext uri="{EFAFB233-063F-42B5-8137-9DF3F51BA10A}">
-      <p15:sldGuideLst xmlns="" xmlns:p15="http://schemas.microsoft.com/office/powerpoint/2012/main">
+      <p15:sldGuideLst xmlns:p15="http://schemas.microsoft.com/office/powerpoint/2012/main" xmlns="">
         <p15:guide id="1" orient="horz" pos="2160">
           <p15:clr>
             <a:srgbClr val="A4A3A4"/>
@@ -3278,15 +3290,21 @@
             <p:ph type="subTitle" idx="1"/>
           </p:nvPr>
         </p:nvSpPr>
-        <p:spPr/>
-        <p:txBody>
-          <a:bodyPr/>
-          <a:lstStyle/>
-          <a:p>
-            <a:r>
-              <a:rPr lang="en-US" dirty="0" smtClean="0"/>
-              <a:t>Getting started with Groovy</a:t>
-            </a:r>
+        <p:spPr>
+          <a:xfrm>
+            <a:off x="1219200" y="3886200"/>
+            <a:ext cx="7086600" cy="1752600"/>
+          </a:xfrm>
+        </p:spPr>
+        <p:txBody>
+          <a:bodyPr/>
+          <a:lstStyle/>
+          <a:p>
+            <a:r>
+              <a:rPr lang="en-US" dirty="0" smtClean="0"/>
+              <a:t>Creating a Stand-alone GRAILS Application</a:t>
+            </a:r>
+            <a:endParaRPr lang="en-US" dirty="0" smtClean="0"/>
           </a:p>
           <a:p>
             <a:endParaRPr lang="en-US" dirty="0"/>
@@ -3303,6 +3321,13 @@
   <p:clrMapOvr>
     <a:masterClrMapping/>
   </p:clrMapOvr>
+  <p:timing>
+    <p:tnLst>
+      <p:par>
+        <p:cTn id="1" dur="indefinite" restart="never" nodeType="tmRoot"/>
+      </p:par>
+    </p:tnLst>
+  </p:timing>
 </p:sld>
 </file>
 
@@ -3338,6 +3363,14 @@
           <a:bodyPr/>
           <a:lstStyle/>
           <a:p>
+            <a:r>
+              <a:rPr lang="en-US" dirty="0" smtClean="0"/>
+              <a:t>Model/Domain - </a:t>
+            </a:r>
+            <a:r>
+              <a:rPr lang="en-US" dirty="0" err="1" smtClean="0"/>
+              <a:t>Spriden</a:t>
+            </a:r>
             <a:endParaRPr lang="en-US" dirty="0"/>
           </a:p>
         </p:txBody>
@@ -3361,10 +3394,74 @@
           </a:p>
         </p:txBody>
       </p:sp>
+      <p:pic>
+        <p:nvPicPr>
+          <p:cNvPr id="3074" name="Picture 2"/>
+          <p:cNvPicPr>
+            <a:picLocks noChangeAspect="1" noChangeArrowheads="1"/>
+          </p:cNvPicPr>
+          <p:nvPr/>
+        </p:nvPicPr>
+        <p:blipFill>
+          <a:blip r:embed="rId2">
+            <a:extLst>
+              <a:ext uri="{28A0092B-C50C-407E-A947-70E740481C1C}">
+                <a14:useLocalDpi xmlns:a14="http://schemas.microsoft.com/office/drawing/2010/main" val="0"/>
+              </a:ext>
+            </a:extLst>
+          </a:blip>
+          <a:srcRect/>
+          <a:stretch>
+            <a:fillRect/>
+          </a:stretch>
+        </p:blipFill>
+        <p:spPr bwMode="auto">
+          <a:xfrm>
+            <a:off x="685800" y="1752600"/>
+            <a:ext cx="7753350" cy="4132093"/>
+          </a:xfrm>
+          <a:prstGeom prst="rect">
+            <a:avLst/>
+          </a:prstGeom>
+          <a:noFill/>
+          <a:ln>
+            <a:noFill/>
+          </a:ln>
+          <a:effectLst/>
+          <a:extLst>
+            <a:ext uri="{909E8E84-426E-40DD-AFC4-6F175D3DCCD1}">
+              <a14:hiddenFill xmlns:a14="http://schemas.microsoft.com/office/drawing/2010/main">
+                <a:solidFill>
+                  <a:schemeClr val="accent1"/>
+                </a:solidFill>
+              </a14:hiddenFill>
+            </a:ext>
+            <a:ext uri="{91240B29-F687-4F45-9708-019B960494DF}">
+              <a14:hiddenLine xmlns:a14="http://schemas.microsoft.com/office/drawing/2010/main" w="9525">
+                <a:solidFill>
+                  <a:schemeClr val="tx1"/>
+                </a:solidFill>
+                <a:miter lim="800000"/>
+                <a:headEnd/>
+                <a:tailEnd/>
+              </a14:hiddenLine>
+            </a:ext>
+            <a:ext uri="{AF507438-7753-43E0-B8FC-AC1667EBCBE1}">
+              <a14:hiddenEffects xmlns:a14="http://schemas.microsoft.com/office/drawing/2010/main">
+                <a:effectLst>
+                  <a:outerShdw dist="35921" dir="2700000" algn="ctr" rotWithShape="0">
+                    <a:schemeClr val="bg2"/>
+                  </a:outerShdw>
+                </a:effectLst>
+              </a14:hiddenEffects>
+            </a:ext>
+          </a:extLst>
+        </p:spPr>
+      </p:pic>
     </p:spTree>
     <p:extLst>
       <p:ext uri="{BB962C8B-B14F-4D97-AF65-F5344CB8AC3E}">
-        <p14:creationId xmlns:p14="http://schemas.microsoft.com/office/powerpoint/2010/main" val="3748608196"/>
+        <p14:creationId xmlns:p14="http://schemas.microsoft.com/office/powerpoint/2010/main" val="3368491424"/>
       </p:ext>
     </p:extLst>
   </p:cSld>
@@ -3406,6 +3503,10 @@
           <a:bodyPr/>
           <a:lstStyle/>
           <a:p>
+            <a:r>
+              <a:rPr lang="en-US" dirty="0" smtClean="0"/>
+              <a:t>Controller</a:t>
+            </a:r>
             <a:endParaRPr lang="en-US" dirty="0"/>
           </a:p>
         </p:txBody>
@@ -3425,20 +3526,1587 @@
           <a:bodyPr/>
           <a:lstStyle/>
           <a:p>
+            <a:r>
+              <a:rPr lang="en-US" dirty="0" err="1" smtClean="0"/>
+              <a:t>Spriden</a:t>
+            </a:r>
+            <a:r>
+              <a:rPr lang="en-US" dirty="0" smtClean="0"/>
+              <a:t> Controller</a:t>
+            </a:r>
+          </a:p>
+          <a:p>
+            <a:r>
+              <a:rPr lang="en-US" dirty="0" smtClean="0"/>
+              <a:t>3 Methods: index, </a:t>
+            </a:r>
+            <a:r>
+              <a:rPr lang="en-US" dirty="0" err="1" smtClean="0"/>
+              <a:t>searchById</a:t>
+            </a:r>
+            <a:r>
+              <a:rPr lang="en-US" dirty="0" smtClean="0"/>
+              <a:t>, </a:t>
+            </a:r>
+            <a:r>
+              <a:rPr lang="en-US" dirty="0" err="1" smtClean="0"/>
+              <a:t>listStudents</a:t>
+            </a:r>
             <a:endParaRPr lang="en-US" dirty="0"/>
           </a:p>
         </p:txBody>
       </p:sp>
+      <p:pic>
+        <p:nvPicPr>
+          <p:cNvPr id="4098" name="Picture 2"/>
+          <p:cNvPicPr>
+            <a:picLocks noChangeAspect="1" noChangeArrowheads="1"/>
+          </p:cNvPicPr>
+          <p:nvPr/>
+        </p:nvPicPr>
+        <p:blipFill>
+          <a:blip r:embed="rId2">
+            <a:extLst>
+              <a:ext uri="{28A0092B-C50C-407E-A947-70E740481C1C}">
+                <a14:useLocalDpi xmlns:a14="http://schemas.microsoft.com/office/drawing/2010/main" val="0"/>
+              </a:ext>
+            </a:extLst>
+          </a:blip>
+          <a:srcRect/>
+          <a:stretch>
+            <a:fillRect/>
+          </a:stretch>
+        </p:blipFill>
+        <p:spPr bwMode="auto">
+          <a:xfrm>
+            <a:off x="1447800" y="2895598"/>
+            <a:ext cx="6400800" cy="3411261"/>
+          </a:xfrm>
+          <a:prstGeom prst="rect">
+            <a:avLst/>
+          </a:prstGeom>
+          <a:noFill/>
+          <a:ln>
+            <a:noFill/>
+          </a:ln>
+          <a:effectLst/>
+          <a:extLst>
+            <a:ext uri="{909E8E84-426E-40DD-AFC4-6F175D3DCCD1}">
+              <a14:hiddenFill xmlns:a14="http://schemas.microsoft.com/office/drawing/2010/main">
+                <a:solidFill>
+                  <a:schemeClr val="accent1"/>
+                </a:solidFill>
+              </a14:hiddenFill>
+            </a:ext>
+            <a:ext uri="{91240B29-F687-4F45-9708-019B960494DF}">
+              <a14:hiddenLine xmlns:a14="http://schemas.microsoft.com/office/drawing/2010/main" w="9525">
+                <a:solidFill>
+                  <a:schemeClr val="tx1"/>
+                </a:solidFill>
+                <a:miter lim="800000"/>
+                <a:headEnd/>
+                <a:tailEnd/>
+              </a14:hiddenLine>
+            </a:ext>
+            <a:ext uri="{AF507438-7753-43E0-B8FC-AC1667EBCBE1}">
+              <a14:hiddenEffects xmlns:a14="http://schemas.microsoft.com/office/drawing/2010/main">
+                <a:effectLst>
+                  <a:outerShdw dist="35921" dir="2700000" algn="ctr" rotWithShape="0">
+                    <a:schemeClr val="bg2"/>
+                  </a:outerShdw>
+                </a:effectLst>
+              </a14:hiddenEffects>
+            </a:ext>
+          </a:extLst>
+        </p:spPr>
+      </p:pic>
     </p:spTree>
     <p:extLst>
       <p:ext uri="{BB962C8B-B14F-4D97-AF65-F5344CB8AC3E}">
-        <p14:creationId xmlns:p14="http://schemas.microsoft.com/office/powerpoint/2010/main" val="3748608196"/>
+        <p14:creationId xmlns:p14="http://schemas.microsoft.com/office/powerpoint/2010/main" val="1248201293"/>
       </p:ext>
     </p:extLst>
   </p:cSld>
   <p:clrMapOvr>
     <a:masterClrMapping/>
   </p:clrMapOvr>
+</p:sld>
+</file>
+
+<file path=ppt/slides/slide12.xml><?xml version="1.0" encoding="utf-8"?>
+<p:sld xmlns:a="http://schemas.openxmlformats.org/drawingml/2006/main" xmlns:r="http://schemas.openxmlformats.org/officeDocument/2006/relationships" xmlns:p="http://schemas.openxmlformats.org/presentationml/2006/main">
+  <p:cSld>
+    <p:spTree>
+      <p:nvGrpSpPr>
+        <p:cNvPr id="1" name=""/>
+        <p:cNvGrpSpPr/>
+        <p:nvPr/>
+      </p:nvGrpSpPr>
+      <p:grpSpPr>
+        <a:xfrm>
+          <a:off x="0" y="0"/>
+          <a:ext cx="0" cy="0"/>
+          <a:chOff x="0" y="0"/>
+          <a:chExt cx="0" cy="0"/>
+        </a:xfrm>
+      </p:grpSpPr>
+      <p:sp>
+        <p:nvSpPr>
+          <p:cNvPr id="2" name="Title 1"/>
+          <p:cNvSpPr>
+            <a:spLocks noGrp="1"/>
+          </p:cNvSpPr>
+          <p:nvPr>
+            <p:ph type="title"/>
+          </p:nvPr>
+        </p:nvSpPr>
+        <p:spPr/>
+        <p:txBody>
+          <a:bodyPr/>
+          <a:lstStyle/>
+          <a:p>
+            <a:r>
+              <a:rPr lang="en-US" dirty="0" smtClean="0"/>
+              <a:t>Views</a:t>
+            </a:r>
+            <a:endParaRPr lang="en-US" dirty="0"/>
+          </a:p>
+        </p:txBody>
+      </p:sp>
+      <p:sp>
+        <p:nvSpPr>
+          <p:cNvPr id="3" name="Content Placeholder 2"/>
+          <p:cNvSpPr>
+            <a:spLocks noGrp="1"/>
+          </p:cNvSpPr>
+          <p:nvPr>
+            <p:ph idx="1"/>
+          </p:nvPr>
+        </p:nvSpPr>
+        <p:spPr/>
+        <p:txBody>
+          <a:bodyPr/>
+          <a:lstStyle/>
+          <a:p>
+            <a:r>
+              <a:rPr lang="en-US" dirty="0" smtClean="0"/>
+              <a:t>2 Important Views:</a:t>
+            </a:r>
+          </a:p>
+          <a:p>
+            <a:pPr lvl="1"/>
+            <a:r>
+              <a:rPr lang="en-US" dirty="0" err="1" smtClean="0"/>
+              <a:t>searchById.gsp</a:t>
+            </a:r>
+            <a:endParaRPr lang="en-US" dirty="0" smtClean="0"/>
+          </a:p>
+          <a:p>
+            <a:pPr lvl="1"/>
+            <a:r>
+              <a:rPr lang="en-US" dirty="0" err="1" smtClean="0"/>
+              <a:t>listStudents.gsp</a:t>
+            </a:r>
+            <a:endParaRPr lang="en-US" dirty="0"/>
+          </a:p>
+        </p:txBody>
+      </p:sp>
+      <p:pic>
+        <p:nvPicPr>
+          <p:cNvPr id="5122" name="Picture 2"/>
+          <p:cNvPicPr>
+            <a:picLocks noChangeAspect="1" noChangeArrowheads="1"/>
+          </p:cNvPicPr>
+          <p:nvPr/>
+        </p:nvPicPr>
+        <p:blipFill>
+          <a:blip r:embed="rId2">
+            <a:extLst>
+              <a:ext uri="{28A0092B-C50C-407E-A947-70E740481C1C}">
+                <a14:useLocalDpi xmlns:a14="http://schemas.microsoft.com/office/drawing/2010/main" val="0"/>
+              </a:ext>
+            </a:extLst>
+          </a:blip>
+          <a:srcRect/>
+          <a:stretch>
+            <a:fillRect/>
+          </a:stretch>
+        </p:blipFill>
+        <p:spPr bwMode="auto">
+          <a:xfrm>
+            <a:off x="4495800" y="2514600"/>
+            <a:ext cx="3161024" cy="2590800"/>
+          </a:xfrm>
+          <a:prstGeom prst="rect">
+            <a:avLst/>
+          </a:prstGeom>
+          <a:noFill/>
+          <a:ln>
+            <a:noFill/>
+          </a:ln>
+          <a:effectLst/>
+          <a:extLst>
+            <a:ext uri="{909E8E84-426E-40DD-AFC4-6F175D3DCCD1}">
+              <a14:hiddenFill xmlns:a14="http://schemas.microsoft.com/office/drawing/2010/main">
+                <a:solidFill>
+                  <a:schemeClr val="accent1"/>
+                </a:solidFill>
+              </a14:hiddenFill>
+            </a:ext>
+            <a:ext uri="{91240B29-F687-4F45-9708-019B960494DF}">
+              <a14:hiddenLine xmlns:a14="http://schemas.microsoft.com/office/drawing/2010/main" w="9525">
+                <a:solidFill>
+                  <a:schemeClr val="tx1"/>
+                </a:solidFill>
+                <a:miter lim="800000"/>
+                <a:headEnd/>
+                <a:tailEnd/>
+              </a14:hiddenLine>
+            </a:ext>
+            <a:ext uri="{AF507438-7753-43E0-B8FC-AC1667EBCBE1}">
+              <a14:hiddenEffects xmlns:a14="http://schemas.microsoft.com/office/drawing/2010/main">
+                <a:effectLst>
+                  <a:outerShdw dist="35921" dir="2700000" algn="ctr" rotWithShape="0">
+                    <a:schemeClr val="bg2"/>
+                  </a:outerShdw>
+                </a:effectLst>
+              </a14:hiddenEffects>
+            </a:ext>
+          </a:extLst>
+        </p:spPr>
+      </p:pic>
+    </p:spTree>
+    <p:extLst>
+      <p:ext uri="{BB962C8B-B14F-4D97-AF65-F5344CB8AC3E}">
+        <p14:creationId xmlns:p14="http://schemas.microsoft.com/office/powerpoint/2010/main" val="3452939262"/>
+      </p:ext>
+    </p:extLst>
+  </p:cSld>
+  <p:clrMapOvr>
+    <a:masterClrMapping/>
+  </p:clrMapOvr>
+</p:sld>
+</file>
+
+<file path=ppt/slides/slide13.xml><?xml version="1.0" encoding="utf-8"?>
+<p:sld xmlns:a="http://schemas.openxmlformats.org/drawingml/2006/main" xmlns:r="http://schemas.openxmlformats.org/officeDocument/2006/relationships" xmlns:p="http://schemas.openxmlformats.org/presentationml/2006/main">
+  <p:cSld>
+    <p:spTree>
+      <p:nvGrpSpPr>
+        <p:cNvPr id="1" name=""/>
+        <p:cNvGrpSpPr/>
+        <p:nvPr/>
+      </p:nvGrpSpPr>
+      <p:grpSpPr>
+        <a:xfrm>
+          <a:off x="0" y="0"/>
+          <a:ext cx="0" cy="0"/>
+          <a:chOff x="0" y="0"/>
+          <a:chExt cx="0" cy="0"/>
+        </a:xfrm>
+      </p:grpSpPr>
+      <p:sp>
+        <p:nvSpPr>
+          <p:cNvPr id="2" name="Title 1"/>
+          <p:cNvSpPr>
+            <a:spLocks noGrp="1"/>
+          </p:cNvSpPr>
+          <p:nvPr>
+            <p:ph type="title"/>
+          </p:nvPr>
+        </p:nvSpPr>
+        <p:spPr/>
+        <p:txBody>
+          <a:bodyPr/>
+          <a:lstStyle/>
+          <a:p>
+            <a:r>
+              <a:rPr lang="en-US" dirty="0" smtClean="0"/>
+              <a:t>MVC Overview</a:t>
+            </a:r>
+            <a:endParaRPr lang="en-US" dirty="0"/>
+          </a:p>
+        </p:txBody>
+      </p:sp>
+      <p:sp>
+        <p:nvSpPr>
+          <p:cNvPr id="3" name="Content Placeholder 2"/>
+          <p:cNvSpPr>
+            <a:spLocks noGrp="1"/>
+          </p:cNvSpPr>
+          <p:nvPr>
+            <p:ph idx="1"/>
+          </p:nvPr>
+        </p:nvSpPr>
+        <p:spPr/>
+        <p:txBody>
+          <a:bodyPr/>
+          <a:lstStyle/>
+          <a:p>
+            <a:r>
+              <a:rPr lang="en-US" dirty="0" smtClean="0"/>
+              <a:t>Controllers perform business logic and then send results (or nothing) to the view with the same name. </a:t>
+            </a:r>
+          </a:p>
+          <a:p>
+            <a:pPr lvl="1"/>
+            <a:r>
+              <a:rPr lang="en-US" dirty="0" smtClean="0"/>
+              <a:t>For example, the “index” method in the </a:t>
+            </a:r>
+            <a:r>
+              <a:rPr lang="en-US" dirty="0" err="1" smtClean="0"/>
+              <a:t>Spriden</a:t>
+            </a:r>
+            <a:r>
+              <a:rPr lang="en-US" dirty="0" smtClean="0"/>
+              <a:t> Controller redirects us to the “</a:t>
+            </a:r>
+            <a:r>
+              <a:rPr lang="en-US" dirty="0" err="1" smtClean="0"/>
+              <a:t>searchById</a:t>
+            </a:r>
+            <a:r>
+              <a:rPr lang="en-US" dirty="0" smtClean="0"/>
+              <a:t>” method</a:t>
+            </a:r>
+          </a:p>
+          <a:p>
+            <a:pPr lvl="1"/>
+            <a:r>
+              <a:rPr lang="en-US" dirty="0" smtClean="0"/>
+              <a:t>The “</a:t>
+            </a:r>
+            <a:r>
+              <a:rPr lang="en-US" dirty="0" err="1" smtClean="0"/>
+              <a:t>searchById</a:t>
+            </a:r>
+            <a:r>
+              <a:rPr lang="en-US" dirty="0" smtClean="0"/>
+              <a:t>” method has nothing in it so we go straight to the </a:t>
+            </a:r>
+            <a:r>
+              <a:rPr lang="en-US" dirty="0" err="1" smtClean="0"/>
+              <a:t>searchById</a:t>
+            </a:r>
+            <a:r>
+              <a:rPr lang="en-US" dirty="0" smtClean="0"/>
+              <a:t> view.</a:t>
+            </a:r>
+            <a:endParaRPr lang="en-US" dirty="0"/>
+          </a:p>
+        </p:txBody>
+      </p:sp>
+      <p:pic>
+        <p:nvPicPr>
+          <p:cNvPr id="6147" name="Picture 3"/>
+          <p:cNvPicPr>
+            <a:picLocks noChangeAspect="1" noChangeArrowheads="1"/>
+          </p:cNvPicPr>
+          <p:nvPr/>
+        </p:nvPicPr>
+        <p:blipFill>
+          <a:blip r:embed="rId2">
+            <a:extLst>
+              <a:ext uri="{28A0092B-C50C-407E-A947-70E740481C1C}">
+                <a14:useLocalDpi xmlns:a14="http://schemas.microsoft.com/office/drawing/2010/main" val="0"/>
+              </a:ext>
+            </a:extLst>
+          </a:blip>
+          <a:srcRect/>
+          <a:stretch>
+            <a:fillRect/>
+          </a:stretch>
+        </p:blipFill>
+        <p:spPr bwMode="auto">
+          <a:xfrm>
+            <a:off x="5181600" y="5486400"/>
+            <a:ext cx="3552825" cy="962025"/>
+          </a:xfrm>
+          <a:prstGeom prst="rect">
+            <a:avLst/>
+          </a:prstGeom>
+          <a:noFill/>
+          <a:ln>
+            <a:noFill/>
+          </a:ln>
+          <a:effectLst/>
+          <a:extLst>
+            <a:ext uri="{909E8E84-426E-40DD-AFC4-6F175D3DCCD1}">
+              <a14:hiddenFill xmlns:a14="http://schemas.microsoft.com/office/drawing/2010/main">
+                <a:solidFill>
+                  <a:schemeClr val="accent1"/>
+                </a:solidFill>
+              </a14:hiddenFill>
+            </a:ext>
+            <a:ext uri="{91240B29-F687-4F45-9708-019B960494DF}">
+              <a14:hiddenLine xmlns:a14="http://schemas.microsoft.com/office/drawing/2010/main" w="9525">
+                <a:solidFill>
+                  <a:schemeClr val="tx1"/>
+                </a:solidFill>
+                <a:miter lim="800000"/>
+                <a:headEnd/>
+                <a:tailEnd/>
+              </a14:hiddenLine>
+            </a:ext>
+            <a:ext uri="{AF507438-7753-43E0-B8FC-AC1667EBCBE1}">
+              <a14:hiddenEffects xmlns:a14="http://schemas.microsoft.com/office/drawing/2010/main">
+                <a:effectLst>
+                  <a:outerShdw dist="35921" dir="2700000" algn="ctr" rotWithShape="0">
+                    <a:schemeClr val="bg2"/>
+                  </a:outerShdw>
+                </a:effectLst>
+              </a14:hiddenEffects>
+            </a:ext>
+          </a:extLst>
+        </p:spPr>
+      </p:pic>
+      <p:pic>
+        <p:nvPicPr>
+          <p:cNvPr id="6148" name="Picture 4"/>
+          <p:cNvPicPr>
+            <a:picLocks noChangeAspect="1" noChangeArrowheads="1"/>
+          </p:cNvPicPr>
+          <p:nvPr/>
+        </p:nvPicPr>
+        <p:blipFill>
+          <a:blip r:embed="rId3">
+            <a:extLst>
+              <a:ext uri="{28A0092B-C50C-407E-A947-70E740481C1C}">
+                <a14:useLocalDpi xmlns:a14="http://schemas.microsoft.com/office/drawing/2010/main" val="0"/>
+              </a:ext>
+            </a:extLst>
+          </a:blip>
+          <a:srcRect/>
+          <a:stretch>
+            <a:fillRect/>
+          </a:stretch>
+        </p:blipFill>
+        <p:spPr bwMode="auto">
+          <a:xfrm>
+            <a:off x="914400" y="5486400"/>
+            <a:ext cx="2847975" cy="1190625"/>
+          </a:xfrm>
+          <a:prstGeom prst="rect">
+            <a:avLst/>
+          </a:prstGeom>
+          <a:noFill/>
+          <a:ln>
+            <a:noFill/>
+          </a:ln>
+          <a:effectLst/>
+          <a:extLst>
+            <a:ext uri="{909E8E84-426E-40DD-AFC4-6F175D3DCCD1}">
+              <a14:hiddenFill xmlns:a14="http://schemas.microsoft.com/office/drawing/2010/main">
+                <a:solidFill>
+                  <a:schemeClr val="accent1"/>
+                </a:solidFill>
+              </a14:hiddenFill>
+            </a:ext>
+            <a:ext uri="{91240B29-F687-4F45-9708-019B960494DF}">
+              <a14:hiddenLine xmlns:a14="http://schemas.microsoft.com/office/drawing/2010/main" w="9525">
+                <a:solidFill>
+                  <a:schemeClr val="tx1"/>
+                </a:solidFill>
+                <a:miter lim="800000"/>
+                <a:headEnd/>
+                <a:tailEnd/>
+              </a14:hiddenLine>
+            </a:ext>
+            <a:ext uri="{AF507438-7753-43E0-B8FC-AC1667EBCBE1}">
+              <a14:hiddenEffects xmlns:a14="http://schemas.microsoft.com/office/drawing/2010/main">
+                <a:effectLst>
+                  <a:outerShdw dist="35921" dir="2700000" algn="ctr" rotWithShape="0">
+                    <a:schemeClr val="bg2"/>
+                  </a:outerShdw>
+                </a:effectLst>
+              </a14:hiddenEffects>
+            </a:ext>
+          </a:extLst>
+        </p:spPr>
+      </p:pic>
+    </p:spTree>
+    <p:extLst>
+      <p:ext uri="{BB962C8B-B14F-4D97-AF65-F5344CB8AC3E}">
+        <p14:creationId xmlns:p14="http://schemas.microsoft.com/office/powerpoint/2010/main" val="219113492"/>
+      </p:ext>
+    </p:extLst>
+  </p:cSld>
+  <p:clrMapOvr>
+    <a:masterClrMapping/>
+  </p:clrMapOvr>
+</p:sld>
+</file>
+
+<file path=ppt/slides/slide14.xml><?xml version="1.0" encoding="utf-8"?>
+<p:sld xmlns:a="http://schemas.openxmlformats.org/drawingml/2006/main" xmlns:r="http://schemas.openxmlformats.org/officeDocument/2006/relationships" xmlns:p="http://schemas.openxmlformats.org/presentationml/2006/main">
+  <p:cSld>
+    <p:spTree>
+      <p:nvGrpSpPr>
+        <p:cNvPr id="1" name=""/>
+        <p:cNvGrpSpPr/>
+        <p:nvPr/>
+      </p:nvGrpSpPr>
+      <p:grpSpPr>
+        <a:xfrm>
+          <a:off x="0" y="0"/>
+          <a:ext cx="0" cy="0"/>
+          <a:chOff x="0" y="0"/>
+          <a:chExt cx="0" cy="0"/>
+        </a:xfrm>
+      </p:grpSpPr>
+      <p:sp>
+        <p:nvSpPr>
+          <p:cNvPr id="2" name="Title 1"/>
+          <p:cNvSpPr>
+            <a:spLocks noGrp="1"/>
+          </p:cNvSpPr>
+          <p:nvPr>
+            <p:ph type="title"/>
+          </p:nvPr>
+        </p:nvSpPr>
+        <p:spPr/>
+        <p:txBody>
+          <a:bodyPr/>
+          <a:lstStyle/>
+          <a:p>
+            <a:r>
+              <a:rPr lang="en-US" dirty="0" smtClean="0"/>
+              <a:t>MVC Overview</a:t>
+            </a:r>
+            <a:endParaRPr lang="en-US" dirty="0"/>
+          </a:p>
+        </p:txBody>
+      </p:sp>
+      <p:sp>
+        <p:nvSpPr>
+          <p:cNvPr id="3" name="Content Placeholder 2"/>
+          <p:cNvSpPr>
+            <a:spLocks noGrp="1"/>
+          </p:cNvSpPr>
+          <p:nvPr>
+            <p:ph idx="1"/>
+          </p:nvPr>
+        </p:nvSpPr>
+        <p:spPr>
+          <a:xfrm>
+            <a:off x="457200" y="1600200"/>
+            <a:ext cx="3581400" cy="4525963"/>
+          </a:xfrm>
+        </p:spPr>
+        <p:txBody>
+          <a:bodyPr>
+            <a:normAutofit fontScale="85000" lnSpcReduction="20000"/>
+          </a:bodyPr>
+          <a:lstStyle/>
+          <a:p>
+            <a:r>
+              <a:rPr lang="en-US" dirty="0" smtClean="0"/>
+              <a:t>The </a:t>
+            </a:r>
+            <a:r>
+              <a:rPr lang="en-US" dirty="0" err="1" smtClean="0"/>
+              <a:t>searchById</a:t>
+            </a:r>
+            <a:r>
+              <a:rPr lang="en-US" dirty="0" smtClean="0"/>
+              <a:t> view then generates the following:</a:t>
+            </a:r>
+          </a:p>
+          <a:p>
+            <a:endParaRPr lang="en-US" dirty="0"/>
+          </a:p>
+          <a:p>
+            <a:endParaRPr lang="en-US" dirty="0" smtClean="0"/>
+          </a:p>
+          <a:p>
+            <a:endParaRPr lang="en-US" dirty="0"/>
+          </a:p>
+          <a:p>
+            <a:endParaRPr lang="en-US" dirty="0" smtClean="0"/>
+          </a:p>
+          <a:p>
+            <a:r>
+              <a:rPr lang="en-US" dirty="0" smtClean="0"/>
+              <a:t>Notice the code in the view will direct us to the </a:t>
+            </a:r>
+            <a:r>
+              <a:rPr lang="en-US" dirty="0" err="1" smtClean="0"/>
+              <a:t>listStudents</a:t>
+            </a:r>
+            <a:r>
+              <a:rPr lang="en-US" dirty="0" smtClean="0"/>
+              <a:t> method in the </a:t>
+            </a:r>
+            <a:r>
+              <a:rPr lang="en-US" dirty="0" err="1" smtClean="0"/>
+              <a:t>Spriden</a:t>
+            </a:r>
+            <a:r>
+              <a:rPr lang="en-US" dirty="0" smtClean="0"/>
+              <a:t> controller</a:t>
+            </a:r>
+            <a:endParaRPr lang="en-US" dirty="0"/>
+          </a:p>
+        </p:txBody>
+      </p:sp>
+      <p:pic>
+        <p:nvPicPr>
+          <p:cNvPr id="7170" name="Picture 2"/>
+          <p:cNvPicPr>
+            <a:picLocks noChangeAspect="1" noChangeArrowheads="1"/>
+          </p:cNvPicPr>
+          <p:nvPr/>
+        </p:nvPicPr>
+        <p:blipFill>
+          <a:blip r:embed="rId2" cstate="print">
+            <a:extLst>
+              <a:ext uri="{28A0092B-C50C-407E-A947-70E740481C1C}">
+                <a14:useLocalDpi xmlns:a14="http://schemas.microsoft.com/office/drawing/2010/main" val="0"/>
+              </a:ext>
+            </a:extLst>
+          </a:blip>
+          <a:srcRect/>
+          <a:stretch>
+            <a:fillRect/>
+          </a:stretch>
+        </p:blipFill>
+        <p:spPr bwMode="auto">
+          <a:xfrm>
+            <a:off x="2362200" y="2273259"/>
+            <a:ext cx="2852893" cy="2028230"/>
+          </a:xfrm>
+          <a:prstGeom prst="rect">
+            <a:avLst/>
+          </a:prstGeom>
+          <a:noFill/>
+          <a:ln>
+            <a:noFill/>
+          </a:ln>
+          <a:effectLst/>
+          <a:extLst>
+            <a:ext uri="{909E8E84-426E-40DD-AFC4-6F175D3DCCD1}">
+              <a14:hiddenFill xmlns:a14="http://schemas.microsoft.com/office/drawing/2010/main">
+                <a:solidFill>
+                  <a:schemeClr val="accent1"/>
+                </a:solidFill>
+              </a14:hiddenFill>
+            </a:ext>
+            <a:ext uri="{91240B29-F687-4F45-9708-019B960494DF}">
+              <a14:hiddenLine xmlns:a14="http://schemas.microsoft.com/office/drawing/2010/main" w="9525">
+                <a:solidFill>
+                  <a:schemeClr val="tx1"/>
+                </a:solidFill>
+                <a:miter lim="800000"/>
+                <a:headEnd/>
+                <a:tailEnd/>
+              </a14:hiddenLine>
+            </a:ext>
+            <a:ext uri="{AF507438-7753-43E0-B8FC-AC1667EBCBE1}">
+              <a14:hiddenEffects xmlns:a14="http://schemas.microsoft.com/office/drawing/2010/main">
+                <a:effectLst>
+                  <a:outerShdw dist="35921" dir="2700000" algn="ctr" rotWithShape="0">
+                    <a:schemeClr val="bg2"/>
+                  </a:outerShdw>
+                </a:effectLst>
+              </a14:hiddenEffects>
+            </a:ext>
+          </a:extLst>
+        </p:spPr>
+      </p:pic>
+      <p:pic>
+        <p:nvPicPr>
+          <p:cNvPr id="7171" name="Picture 3"/>
+          <p:cNvPicPr>
+            <a:picLocks noChangeAspect="1" noChangeArrowheads="1"/>
+          </p:cNvPicPr>
+          <p:nvPr/>
+        </p:nvPicPr>
+        <p:blipFill>
+          <a:blip r:embed="rId3">
+            <a:extLst>
+              <a:ext uri="{28A0092B-C50C-407E-A947-70E740481C1C}">
+                <a14:useLocalDpi xmlns:a14="http://schemas.microsoft.com/office/drawing/2010/main" val="0"/>
+              </a:ext>
+            </a:extLst>
+          </a:blip>
+          <a:srcRect/>
+          <a:stretch>
+            <a:fillRect/>
+          </a:stretch>
+        </p:blipFill>
+        <p:spPr bwMode="auto">
+          <a:xfrm>
+            <a:off x="5424487" y="1447800"/>
+            <a:ext cx="3152775" cy="4676775"/>
+          </a:xfrm>
+          <a:prstGeom prst="rect">
+            <a:avLst/>
+          </a:prstGeom>
+          <a:noFill/>
+          <a:ln>
+            <a:noFill/>
+          </a:ln>
+          <a:effectLst/>
+          <a:extLst>
+            <a:ext uri="{909E8E84-426E-40DD-AFC4-6F175D3DCCD1}">
+              <a14:hiddenFill xmlns:a14="http://schemas.microsoft.com/office/drawing/2010/main">
+                <a:solidFill>
+                  <a:schemeClr val="accent1"/>
+                </a:solidFill>
+              </a14:hiddenFill>
+            </a:ext>
+            <a:ext uri="{91240B29-F687-4F45-9708-019B960494DF}">
+              <a14:hiddenLine xmlns:a14="http://schemas.microsoft.com/office/drawing/2010/main" w="9525">
+                <a:solidFill>
+                  <a:schemeClr val="tx1"/>
+                </a:solidFill>
+                <a:miter lim="800000"/>
+                <a:headEnd/>
+                <a:tailEnd/>
+              </a14:hiddenLine>
+            </a:ext>
+            <a:ext uri="{AF507438-7753-43E0-B8FC-AC1667EBCBE1}">
+              <a14:hiddenEffects xmlns:a14="http://schemas.microsoft.com/office/drawing/2010/main">
+                <a:effectLst>
+                  <a:outerShdw dist="35921" dir="2700000" algn="ctr" rotWithShape="0">
+                    <a:schemeClr val="bg2"/>
+                  </a:outerShdw>
+                </a:effectLst>
+              </a14:hiddenEffects>
+            </a:ext>
+          </a:extLst>
+        </p:spPr>
+      </p:pic>
+      <p:sp>
+        <p:nvSpPr>
+          <p:cNvPr id="4" name="Right Arrow 3"/>
+          <p:cNvSpPr/>
+          <p:nvPr/>
+        </p:nvSpPr>
+        <p:spPr>
+          <a:xfrm rot="18699791">
+            <a:off x="2816585" y="3595687"/>
+            <a:ext cx="5215803" cy="381000"/>
+          </a:xfrm>
+          <a:prstGeom prst="rightArrow">
+            <a:avLst/>
+          </a:prstGeom>
+        </p:spPr>
+        <p:style>
+          <a:lnRef idx="2">
+            <a:schemeClr val="accent1">
+              <a:shade val="50000"/>
+            </a:schemeClr>
+          </a:lnRef>
+          <a:fillRef idx="1">
+            <a:schemeClr val="accent1"/>
+          </a:fillRef>
+          <a:effectRef idx="0">
+            <a:schemeClr val="accent1"/>
+          </a:effectRef>
+          <a:fontRef idx="minor">
+            <a:schemeClr val="lt1"/>
+          </a:fontRef>
+        </p:style>
+        <p:txBody>
+          <a:bodyPr rtlCol="0" anchor="ctr"/>
+          <a:lstStyle/>
+          <a:p>
+            <a:pPr algn="ctr"/>
+            <a:endParaRPr lang="en-US"/>
+          </a:p>
+        </p:txBody>
+      </p:sp>
+    </p:spTree>
+    <p:extLst>
+      <p:ext uri="{BB962C8B-B14F-4D97-AF65-F5344CB8AC3E}">
+        <p14:creationId xmlns:p14="http://schemas.microsoft.com/office/powerpoint/2010/main" val="3806440519"/>
+      </p:ext>
+    </p:extLst>
+  </p:cSld>
+  <p:clrMapOvr>
+    <a:masterClrMapping/>
+  </p:clrMapOvr>
+</p:sld>
+</file>
+
+<file path=ppt/slides/slide15.xml><?xml version="1.0" encoding="utf-8"?>
+<p:sld xmlns:a="http://schemas.openxmlformats.org/drawingml/2006/main" xmlns:r="http://schemas.openxmlformats.org/officeDocument/2006/relationships" xmlns:p="http://schemas.openxmlformats.org/presentationml/2006/main">
+  <p:cSld>
+    <p:spTree>
+      <p:nvGrpSpPr>
+        <p:cNvPr id="1" name=""/>
+        <p:cNvGrpSpPr/>
+        <p:nvPr/>
+      </p:nvGrpSpPr>
+      <p:grpSpPr>
+        <a:xfrm>
+          <a:off x="0" y="0"/>
+          <a:ext cx="0" cy="0"/>
+          <a:chOff x="0" y="0"/>
+          <a:chExt cx="0" cy="0"/>
+        </a:xfrm>
+      </p:grpSpPr>
+      <p:sp>
+        <p:nvSpPr>
+          <p:cNvPr id="2" name="Title 1"/>
+          <p:cNvSpPr>
+            <a:spLocks noGrp="1"/>
+          </p:cNvSpPr>
+          <p:nvPr>
+            <p:ph type="title"/>
+          </p:nvPr>
+        </p:nvSpPr>
+        <p:spPr/>
+        <p:txBody>
+          <a:bodyPr/>
+          <a:lstStyle/>
+          <a:p>
+            <a:r>
+              <a:rPr lang="en-US" dirty="0" smtClean="0"/>
+              <a:t>MVC Overview</a:t>
+            </a:r>
+            <a:endParaRPr lang="en-US" dirty="0"/>
+          </a:p>
+        </p:txBody>
+      </p:sp>
+      <p:sp>
+        <p:nvSpPr>
+          <p:cNvPr id="3" name="Content Placeholder 2"/>
+          <p:cNvSpPr>
+            <a:spLocks noGrp="1"/>
+          </p:cNvSpPr>
+          <p:nvPr>
+            <p:ph idx="1"/>
+          </p:nvPr>
+        </p:nvSpPr>
+        <p:spPr>
+          <a:xfrm>
+            <a:off x="594852" y="4648200"/>
+            <a:ext cx="4815348" cy="1752600"/>
+          </a:xfrm>
+        </p:spPr>
+        <p:txBody>
+          <a:bodyPr>
+            <a:normAutofit fontScale="70000" lnSpcReduction="20000"/>
+          </a:bodyPr>
+          <a:lstStyle/>
+          <a:p>
+            <a:pPr marL="0" indent="0">
+              <a:buNone/>
+            </a:pPr>
+            <a:r>
+              <a:rPr lang="en-US" dirty="0" smtClean="0"/>
+              <a:t>We grab variables from the form and the </a:t>
+            </a:r>
+            <a:r>
+              <a:rPr lang="en-US" dirty="0" err="1" smtClean="0"/>
+              <a:t>SpridenController’s</a:t>
+            </a:r>
+            <a:r>
+              <a:rPr lang="en-US" dirty="0" smtClean="0"/>
+              <a:t> </a:t>
+            </a:r>
+            <a:r>
+              <a:rPr lang="en-US" dirty="0" err="1" smtClean="0"/>
+              <a:t>listStudents</a:t>
+            </a:r>
+            <a:r>
+              <a:rPr lang="en-US" dirty="0" smtClean="0"/>
+              <a:t> method executes a query the returns results from that query.  Those results then get sent to the </a:t>
+            </a:r>
+            <a:r>
+              <a:rPr lang="en-US" dirty="0" err="1" smtClean="0"/>
+              <a:t>listStudents</a:t>
+            </a:r>
+            <a:r>
+              <a:rPr lang="en-US" dirty="0" smtClean="0"/>
+              <a:t> view.</a:t>
+            </a:r>
+            <a:endParaRPr lang="en-US" dirty="0"/>
+          </a:p>
+        </p:txBody>
+      </p:sp>
+      <p:pic>
+        <p:nvPicPr>
+          <p:cNvPr id="9218" name="Picture 2"/>
+          <p:cNvPicPr>
+            <a:picLocks noChangeAspect="1" noChangeArrowheads="1"/>
+          </p:cNvPicPr>
+          <p:nvPr/>
+        </p:nvPicPr>
+        <p:blipFill>
+          <a:blip r:embed="rId2">
+            <a:extLst>
+              <a:ext uri="{28A0092B-C50C-407E-A947-70E740481C1C}">
+                <a14:useLocalDpi xmlns:a14="http://schemas.microsoft.com/office/drawing/2010/main" val="0"/>
+              </a:ext>
+            </a:extLst>
+          </a:blip>
+          <a:srcRect/>
+          <a:stretch>
+            <a:fillRect/>
+          </a:stretch>
+        </p:blipFill>
+        <p:spPr bwMode="auto">
+          <a:xfrm>
+            <a:off x="609600" y="1295400"/>
+            <a:ext cx="5662613" cy="3173371"/>
+          </a:xfrm>
+          <a:prstGeom prst="rect">
+            <a:avLst/>
+          </a:prstGeom>
+          <a:noFill/>
+          <a:ln>
+            <a:noFill/>
+          </a:ln>
+          <a:effectLst/>
+          <a:extLst>
+            <a:ext uri="{909E8E84-426E-40DD-AFC4-6F175D3DCCD1}">
+              <a14:hiddenFill xmlns:a14="http://schemas.microsoft.com/office/drawing/2010/main">
+                <a:solidFill>
+                  <a:schemeClr val="accent1"/>
+                </a:solidFill>
+              </a14:hiddenFill>
+            </a:ext>
+            <a:ext uri="{91240B29-F687-4F45-9708-019B960494DF}">
+              <a14:hiddenLine xmlns:a14="http://schemas.microsoft.com/office/drawing/2010/main" w="9525">
+                <a:solidFill>
+                  <a:schemeClr val="tx1"/>
+                </a:solidFill>
+                <a:miter lim="800000"/>
+                <a:headEnd/>
+                <a:tailEnd/>
+              </a14:hiddenLine>
+            </a:ext>
+            <a:ext uri="{AF507438-7753-43E0-B8FC-AC1667EBCBE1}">
+              <a14:hiddenEffects xmlns:a14="http://schemas.microsoft.com/office/drawing/2010/main">
+                <a:effectLst>
+                  <a:outerShdw dist="35921" dir="2700000" algn="ctr" rotWithShape="0">
+                    <a:schemeClr val="bg2"/>
+                  </a:outerShdw>
+                </a:effectLst>
+              </a14:hiddenEffects>
+            </a:ext>
+          </a:extLst>
+        </p:spPr>
+      </p:pic>
+    </p:spTree>
+    <p:extLst>
+      <p:ext uri="{BB962C8B-B14F-4D97-AF65-F5344CB8AC3E}">
+        <p14:creationId xmlns:p14="http://schemas.microsoft.com/office/powerpoint/2010/main" val="3501045219"/>
+      </p:ext>
+    </p:extLst>
+  </p:cSld>
+  <p:clrMapOvr>
+    <a:masterClrMapping/>
+  </p:clrMapOvr>
+</p:sld>
+</file>
+
+<file path=ppt/slides/slide16.xml><?xml version="1.0" encoding="utf-8"?>
+<p:sld xmlns:a="http://schemas.openxmlformats.org/drawingml/2006/main" xmlns:r="http://schemas.openxmlformats.org/officeDocument/2006/relationships" xmlns:p="http://schemas.openxmlformats.org/presentationml/2006/main">
+  <p:cSld>
+    <p:spTree>
+      <p:nvGrpSpPr>
+        <p:cNvPr id="1" name=""/>
+        <p:cNvGrpSpPr/>
+        <p:nvPr/>
+      </p:nvGrpSpPr>
+      <p:grpSpPr>
+        <a:xfrm>
+          <a:off x="0" y="0"/>
+          <a:ext cx="0" cy="0"/>
+          <a:chOff x="0" y="0"/>
+          <a:chExt cx="0" cy="0"/>
+        </a:xfrm>
+      </p:grpSpPr>
+      <p:sp>
+        <p:nvSpPr>
+          <p:cNvPr id="2" name="Title 1"/>
+          <p:cNvSpPr>
+            <a:spLocks noGrp="1"/>
+          </p:cNvSpPr>
+          <p:nvPr>
+            <p:ph type="title"/>
+          </p:nvPr>
+        </p:nvSpPr>
+        <p:spPr/>
+        <p:txBody>
+          <a:bodyPr/>
+          <a:lstStyle/>
+          <a:p>
+            <a:r>
+              <a:rPr lang="en-US" dirty="0" smtClean="0"/>
+              <a:t>Source Code </a:t>
+            </a:r>
+            <a:r>
+              <a:rPr lang="en-US" dirty="0" smtClean="0"/>
+              <a:t>Tour - Security</a:t>
+            </a:r>
+            <a:endParaRPr lang="en-US" dirty="0"/>
+          </a:p>
+        </p:txBody>
+      </p:sp>
+      <p:sp>
+        <p:nvSpPr>
+          <p:cNvPr id="3" name="Content Placeholder 2"/>
+          <p:cNvSpPr>
+            <a:spLocks noGrp="1"/>
+          </p:cNvSpPr>
+          <p:nvPr>
+            <p:ph idx="1"/>
+          </p:nvPr>
+        </p:nvSpPr>
+        <p:spPr/>
+        <p:txBody>
+          <a:bodyPr/>
+          <a:lstStyle/>
+          <a:p>
+            <a:r>
+              <a:rPr lang="en-US" dirty="0" smtClean="0"/>
+              <a:t>Spring Plugins</a:t>
+            </a:r>
+          </a:p>
+          <a:p>
+            <a:r>
+              <a:rPr lang="en-US" dirty="0" smtClean="0"/>
+              <a:t>Spring Inversion of Control</a:t>
+            </a:r>
+            <a:endParaRPr lang="en-US" dirty="0"/>
+          </a:p>
+        </p:txBody>
+      </p:sp>
+    </p:spTree>
+    <p:extLst>
+      <p:ext uri="{BB962C8B-B14F-4D97-AF65-F5344CB8AC3E}">
+        <p14:creationId xmlns:p14="http://schemas.microsoft.com/office/powerpoint/2010/main" val="2519025964"/>
+      </p:ext>
+    </p:extLst>
+  </p:cSld>
+  <p:clrMapOvr>
+    <a:masterClrMapping/>
+  </p:clrMapOvr>
+  <p:timing>
+    <p:tnLst>
+      <p:par>
+        <p:cTn id="1" dur="indefinite" restart="never" nodeType="tmRoot"/>
+      </p:par>
+    </p:tnLst>
+  </p:timing>
+</p:sld>
+</file>
+
+<file path=ppt/slides/slide17.xml><?xml version="1.0" encoding="utf-8"?>
+<p:sld xmlns:a="http://schemas.openxmlformats.org/drawingml/2006/main" xmlns:r="http://schemas.openxmlformats.org/officeDocument/2006/relationships" xmlns:p="http://schemas.openxmlformats.org/presentationml/2006/main">
+  <p:cSld>
+    <p:spTree>
+      <p:nvGrpSpPr>
+        <p:cNvPr id="1" name=""/>
+        <p:cNvGrpSpPr/>
+        <p:nvPr/>
+      </p:nvGrpSpPr>
+      <p:grpSpPr>
+        <a:xfrm>
+          <a:off x="0" y="0"/>
+          <a:ext cx="0" cy="0"/>
+          <a:chOff x="0" y="0"/>
+          <a:chExt cx="0" cy="0"/>
+        </a:xfrm>
+      </p:grpSpPr>
+      <p:sp>
+        <p:nvSpPr>
+          <p:cNvPr id="2" name="Title 1"/>
+          <p:cNvSpPr>
+            <a:spLocks noGrp="1"/>
+          </p:cNvSpPr>
+          <p:nvPr>
+            <p:ph type="title"/>
+          </p:nvPr>
+        </p:nvSpPr>
+        <p:spPr/>
+        <p:txBody>
+          <a:bodyPr/>
+          <a:lstStyle/>
+          <a:p>
+            <a:r>
+              <a:rPr lang="en-US" dirty="0" smtClean="0"/>
+              <a:t>Deployment Challenges</a:t>
+            </a:r>
+            <a:endParaRPr lang="en-US" dirty="0"/>
+          </a:p>
+        </p:txBody>
+      </p:sp>
+      <p:sp>
+        <p:nvSpPr>
+          <p:cNvPr id="3" name="Content Placeholder 2"/>
+          <p:cNvSpPr>
+            <a:spLocks noGrp="1"/>
+          </p:cNvSpPr>
+          <p:nvPr>
+            <p:ph idx="1"/>
+          </p:nvPr>
+        </p:nvSpPr>
+        <p:spPr/>
+        <p:txBody>
+          <a:bodyPr/>
+          <a:lstStyle/>
+          <a:p>
+            <a:r>
+              <a:rPr lang="en-US" dirty="0" smtClean="0"/>
+              <a:t>Deployment Servers</a:t>
+            </a:r>
+          </a:p>
+          <a:p>
+            <a:pPr lvl="1"/>
+            <a:r>
+              <a:rPr lang="en-US" dirty="0" err="1" smtClean="0"/>
+              <a:t>WebLogic</a:t>
+            </a:r>
+            <a:endParaRPr lang="en-US" dirty="0" smtClean="0"/>
+          </a:p>
+          <a:p>
+            <a:pPr lvl="1"/>
+            <a:r>
+              <a:rPr lang="en-US" dirty="0" smtClean="0"/>
+              <a:t>Tomcat</a:t>
+            </a:r>
+          </a:p>
+          <a:p>
+            <a:r>
+              <a:rPr lang="en-US" dirty="0" err="1" smtClean="0"/>
+              <a:t>WebLogic</a:t>
+            </a:r>
+            <a:r>
+              <a:rPr lang="en-US" dirty="0" smtClean="0"/>
+              <a:t> Quirks and Discovery</a:t>
+            </a:r>
+            <a:endParaRPr lang="en-US" dirty="0"/>
+          </a:p>
+        </p:txBody>
+      </p:sp>
+    </p:spTree>
+    <p:extLst>
+      <p:ext uri="{BB962C8B-B14F-4D97-AF65-F5344CB8AC3E}">
+        <p14:creationId xmlns:p14="http://schemas.microsoft.com/office/powerpoint/2010/main" val="2519025964"/>
+      </p:ext>
+    </p:extLst>
+  </p:cSld>
+  <p:clrMapOvr>
+    <a:masterClrMapping/>
+  </p:clrMapOvr>
+  <p:timing>
+    <p:tnLst>
+      <p:par>
+        <p:cTn id="1" dur="indefinite" restart="never" nodeType="tmRoot"/>
+      </p:par>
+    </p:tnLst>
+  </p:timing>
+</p:sld>
+</file>
+
+<file path=ppt/slides/slide18.xml><?xml version="1.0" encoding="utf-8"?>
+<p:sld xmlns:a="http://schemas.openxmlformats.org/drawingml/2006/main" xmlns:r="http://schemas.openxmlformats.org/officeDocument/2006/relationships" xmlns:p="http://schemas.openxmlformats.org/presentationml/2006/main">
+  <p:cSld>
+    <p:spTree>
+      <p:nvGrpSpPr>
+        <p:cNvPr id="1" name=""/>
+        <p:cNvGrpSpPr/>
+        <p:nvPr/>
+      </p:nvGrpSpPr>
+      <p:grpSpPr>
+        <a:xfrm>
+          <a:off x="0" y="0"/>
+          <a:ext cx="0" cy="0"/>
+          <a:chOff x="0" y="0"/>
+          <a:chExt cx="0" cy="0"/>
+        </a:xfrm>
+      </p:grpSpPr>
+      <p:sp>
+        <p:nvSpPr>
+          <p:cNvPr id="2" name="Title 1"/>
+          <p:cNvSpPr>
+            <a:spLocks noGrp="1"/>
+          </p:cNvSpPr>
+          <p:nvPr>
+            <p:ph type="title"/>
+          </p:nvPr>
+        </p:nvSpPr>
+        <p:spPr/>
+        <p:txBody>
+          <a:bodyPr/>
+          <a:lstStyle/>
+          <a:p>
+            <a:r>
+              <a:rPr lang="en-US" dirty="0" err="1" smtClean="0"/>
+              <a:t>WebLogic</a:t>
+            </a:r>
+            <a:r>
+              <a:rPr lang="en-US" dirty="0" smtClean="0"/>
+              <a:t> Discoveries</a:t>
+            </a:r>
+            <a:endParaRPr lang="en-US" dirty="0"/>
+          </a:p>
+        </p:txBody>
+      </p:sp>
+      <p:sp>
+        <p:nvSpPr>
+          <p:cNvPr id="3" name="Content Placeholder 2"/>
+          <p:cNvSpPr>
+            <a:spLocks noGrp="1"/>
+          </p:cNvSpPr>
+          <p:nvPr>
+            <p:ph idx="1"/>
+          </p:nvPr>
+        </p:nvSpPr>
+        <p:spPr/>
+        <p:txBody>
+          <a:bodyPr>
+            <a:normAutofit fontScale="77500" lnSpcReduction="20000"/>
+          </a:bodyPr>
+          <a:lstStyle/>
+          <a:p>
+            <a:r>
+              <a:rPr lang="en-US" dirty="0" err="1" smtClean="0"/>
+              <a:t>MalformedParameterizedTypeException</a:t>
+            </a:r>
+            <a:endParaRPr lang="en-US" dirty="0" smtClean="0"/>
+          </a:p>
+          <a:p>
+            <a:pPr lvl="1"/>
+            <a:endParaRPr lang="en-US" dirty="0"/>
+          </a:p>
+          <a:p>
+            <a:pPr lvl="1"/>
+            <a:endParaRPr lang="en-US" dirty="0" smtClean="0"/>
+          </a:p>
+          <a:p>
+            <a:pPr lvl="1"/>
+            <a:endParaRPr lang="en-US" dirty="0"/>
+          </a:p>
+          <a:p>
+            <a:pPr lvl="1"/>
+            <a:r>
+              <a:rPr lang="en-US" dirty="0" smtClean="0"/>
+              <a:t>See: </a:t>
+            </a:r>
+            <a:r>
+              <a:rPr lang="en-US" dirty="0">
+                <a:hlinkClick r:id="rId2"/>
+              </a:rPr>
+              <a:t>http://grails.org/Deployment</a:t>
+            </a:r>
+            <a:endParaRPr lang="en-US" dirty="0" smtClean="0"/>
+          </a:p>
+          <a:p>
+            <a:r>
+              <a:rPr lang="en-US" dirty="0" smtClean="0"/>
+              <a:t>“/</a:t>
+            </a:r>
+            <a:r>
+              <a:rPr lang="en-US" dirty="0" err="1"/>
+              <a:t>index.gsp</a:t>
+            </a:r>
+            <a:r>
+              <a:rPr lang="en-US" dirty="0"/>
+              <a:t>” not found</a:t>
+            </a:r>
+            <a:r>
+              <a:rPr lang="en-US" dirty="0" smtClean="0"/>
+              <a:t>.</a:t>
+            </a:r>
+          </a:p>
+          <a:p>
+            <a:pPr lvl="1"/>
+            <a:r>
+              <a:rPr lang="en-US" dirty="0" smtClean="0"/>
+              <a:t>See: </a:t>
+            </a:r>
+            <a:r>
+              <a:rPr lang="en-US" u="sng" dirty="0">
+                <a:hlinkClick r:id="rId3"/>
+              </a:rPr>
+              <a:t>http://jira.grails.org/browse/GRAILS-8767</a:t>
+            </a:r>
+            <a:endParaRPr lang="en-US" dirty="0" smtClean="0"/>
+          </a:p>
+          <a:p>
+            <a:r>
+              <a:rPr lang="en-US" dirty="0" smtClean="0"/>
+              <a:t>Do the following before building WAR:</a:t>
+            </a:r>
+          </a:p>
+          <a:p>
+            <a:pPr lvl="1"/>
+            <a:r>
+              <a:rPr lang="en-US" dirty="0"/>
+              <a:t>c</a:t>
+            </a:r>
+            <a:r>
+              <a:rPr lang="en-US" dirty="0" smtClean="0"/>
+              <a:t>lean</a:t>
+            </a:r>
+          </a:p>
+          <a:p>
+            <a:pPr lvl="1"/>
+            <a:r>
+              <a:rPr lang="en-US" dirty="0" smtClean="0"/>
+              <a:t>refresh-dependencies</a:t>
+            </a:r>
+          </a:p>
+          <a:p>
+            <a:pPr lvl="1"/>
+            <a:r>
+              <a:rPr lang="en-US" dirty="0" smtClean="0"/>
+              <a:t>compile</a:t>
+            </a:r>
+          </a:p>
+          <a:p>
+            <a:pPr lvl="1"/>
+            <a:r>
+              <a:rPr lang="en-US" dirty="0" smtClean="0"/>
+              <a:t>war</a:t>
+            </a:r>
+            <a:endParaRPr lang="en-US" dirty="0"/>
+          </a:p>
+        </p:txBody>
+      </p:sp>
+      <p:pic>
+        <p:nvPicPr>
+          <p:cNvPr id="11266" name="Picture 2"/>
+          <p:cNvPicPr>
+            <a:picLocks noChangeAspect="1" noChangeArrowheads="1"/>
+          </p:cNvPicPr>
+          <p:nvPr/>
+        </p:nvPicPr>
+        <p:blipFill>
+          <a:blip r:embed="rId4">
+            <a:extLst>
+              <a:ext uri="{28A0092B-C50C-407E-A947-70E740481C1C}">
+                <a14:useLocalDpi xmlns:a14="http://schemas.microsoft.com/office/drawing/2010/main" val="0"/>
+              </a:ext>
+            </a:extLst>
+          </a:blip>
+          <a:srcRect/>
+          <a:stretch>
+            <a:fillRect/>
+          </a:stretch>
+        </p:blipFill>
+        <p:spPr bwMode="auto">
+          <a:xfrm>
+            <a:off x="1143000" y="1981200"/>
+            <a:ext cx="4717774" cy="935421"/>
+          </a:xfrm>
+          <a:prstGeom prst="rect">
+            <a:avLst/>
+          </a:prstGeom>
+          <a:noFill/>
+          <a:ln>
+            <a:noFill/>
+          </a:ln>
+          <a:effectLst/>
+          <a:extLst>
+            <a:ext uri="{909E8E84-426E-40DD-AFC4-6F175D3DCCD1}">
+              <a14:hiddenFill xmlns:a14="http://schemas.microsoft.com/office/drawing/2010/main">
+                <a:solidFill>
+                  <a:schemeClr val="accent1"/>
+                </a:solidFill>
+              </a14:hiddenFill>
+            </a:ext>
+            <a:ext uri="{91240B29-F687-4F45-9708-019B960494DF}">
+              <a14:hiddenLine xmlns:a14="http://schemas.microsoft.com/office/drawing/2010/main" w="9525">
+                <a:solidFill>
+                  <a:schemeClr val="tx1"/>
+                </a:solidFill>
+                <a:miter lim="800000"/>
+                <a:headEnd/>
+                <a:tailEnd/>
+              </a14:hiddenLine>
+            </a:ext>
+            <a:ext uri="{AF507438-7753-43E0-B8FC-AC1667EBCBE1}">
+              <a14:hiddenEffects xmlns:a14="http://schemas.microsoft.com/office/drawing/2010/main">
+                <a:effectLst>
+                  <a:outerShdw dist="35921" dir="2700000" algn="ctr" rotWithShape="0">
+                    <a:schemeClr val="bg2"/>
+                  </a:outerShdw>
+                </a:effectLst>
+              </a14:hiddenEffects>
+            </a:ext>
+          </a:extLst>
+        </p:spPr>
+      </p:pic>
+    </p:spTree>
+    <p:extLst>
+      <p:ext uri="{BB962C8B-B14F-4D97-AF65-F5344CB8AC3E}">
+        <p14:creationId xmlns:p14="http://schemas.microsoft.com/office/powerpoint/2010/main" val="4252722285"/>
+      </p:ext>
+    </p:extLst>
+  </p:cSld>
+  <p:clrMapOvr>
+    <a:masterClrMapping/>
+  </p:clrMapOvr>
+</p:sld>
+</file>
+
+<file path=ppt/slides/slide19.xml><?xml version="1.0" encoding="utf-8"?>
+<p:sld xmlns:a="http://schemas.openxmlformats.org/drawingml/2006/main" xmlns:r="http://schemas.openxmlformats.org/officeDocument/2006/relationships" xmlns:p="http://schemas.openxmlformats.org/presentationml/2006/main">
+  <p:cSld>
+    <p:spTree>
+      <p:nvGrpSpPr>
+        <p:cNvPr id="1" name=""/>
+        <p:cNvGrpSpPr/>
+        <p:nvPr/>
+      </p:nvGrpSpPr>
+      <p:grpSpPr>
+        <a:xfrm>
+          <a:off x="0" y="0"/>
+          <a:ext cx="0" cy="0"/>
+          <a:chOff x="0" y="0"/>
+          <a:chExt cx="0" cy="0"/>
+        </a:xfrm>
+      </p:grpSpPr>
+      <p:sp>
+        <p:nvSpPr>
+          <p:cNvPr id="2" name="Title 1"/>
+          <p:cNvSpPr>
+            <a:spLocks noGrp="1"/>
+          </p:cNvSpPr>
+          <p:nvPr>
+            <p:ph type="title"/>
+          </p:nvPr>
+        </p:nvSpPr>
+        <p:spPr/>
+        <p:txBody>
+          <a:bodyPr/>
+          <a:lstStyle/>
+          <a:p>
+            <a:r>
+              <a:rPr lang="en-US" dirty="0" smtClean="0"/>
+              <a:t>Source Code</a:t>
+            </a:r>
+            <a:endParaRPr lang="en-US" dirty="0"/>
+          </a:p>
+        </p:txBody>
+      </p:sp>
+      <p:sp>
+        <p:nvSpPr>
+          <p:cNvPr id="3" name="Content Placeholder 2"/>
+          <p:cNvSpPr>
+            <a:spLocks noGrp="1"/>
+          </p:cNvSpPr>
+          <p:nvPr>
+            <p:ph idx="1"/>
+          </p:nvPr>
+        </p:nvSpPr>
+        <p:spPr/>
+        <p:txBody>
+          <a:bodyPr/>
+          <a:lstStyle/>
+          <a:p>
+            <a:r>
+              <a:rPr lang="en-US" dirty="0" smtClean="0"/>
+              <a:t>Available on </a:t>
+            </a:r>
+            <a:r>
+              <a:rPr lang="en-US" dirty="0" err="1" smtClean="0"/>
+              <a:t>GitHub</a:t>
+            </a:r>
+            <a:endParaRPr lang="en-US" dirty="0" smtClean="0"/>
+          </a:p>
+          <a:p>
+            <a:pPr lvl="1"/>
+            <a:r>
+              <a:rPr lang="en-US" dirty="0">
+                <a:hlinkClick r:id="rId2"/>
+              </a:rPr>
+              <a:t>https://github.com/unm-sis/SpridenSearch</a:t>
+            </a:r>
+            <a:endParaRPr lang="en-US" dirty="0"/>
+          </a:p>
+        </p:txBody>
+      </p:sp>
+      <p:pic>
+        <p:nvPicPr>
+          <p:cNvPr id="10242" name="Picture 2"/>
+          <p:cNvPicPr>
+            <a:picLocks noChangeAspect="1" noChangeArrowheads="1"/>
+          </p:cNvPicPr>
+          <p:nvPr/>
+        </p:nvPicPr>
+        <p:blipFill>
+          <a:blip r:embed="rId3">
+            <a:extLst>
+              <a:ext uri="{28A0092B-C50C-407E-A947-70E740481C1C}">
+                <a14:useLocalDpi xmlns:a14="http://schemas.microsoft.com/office/drawing/2010/main" val="0"/>
+              </a:ext>
+            </a:extLst>
+          </a:blip>
+          <a:srcRect/>
+          <a:stretch>
+            <a:fillRect/>
+          </a:stretch>
+        </p:blipFill>
+        <p:spPr bwMode="auto">
+          <a:xfrm>
+            <a:off x="2209800" y="2743200"/>
+            <a:ext cx="4800600" cy="3412927"/>
+          </a:xfrm>
+          <a:prstGeom prst="rect">
+            <a:avLst/>
+          </a:prstGeom>
+          <a:noFill/>
+          <a:ln>
+            <a:noFill/>
+          </a:ln>
+          <a:effectLst/>
+          <a:extLst>
+            <a:ext uri="{909E8E84-426E-40DD-AFC4-6F175D3DCCD1}">
+              <a14:hiddenFill xmlns:a14="http://schemas.microsoft.com/office/drawing/2010/main">
+                <a:solidFill>
+                  <a:schemeClr val="accent1"/>
+                </a:solidFill>
+              </a14:hiddenFill>
+            </a:ext>
+            <a:ext uri="{91240B29-F687-4F45-9708-019B960494DF}">
+              <a14:hiddenLine xmlns:a14="http://schemas.microsoft.com/office/drawing/2010/main" w="9525">
+                <a:solidFill>
+                  <a:schemeClr val="tx1"/>
+                </a:solidFill>
+                <a:miter lim="800000"/>
+                <a:headEnd/>
+                <a:tailEnd/>
+              </a14:hiddenLine>
+            </a:ext>
+            <a:ext uri="{AF507438-7753-43E0-B8FC-AC1667EBCBE1}">
+              <a14:hiddenEffects xmlns:a14="http://schemas.microsoft.com/office/drawing/2010/main">
+                <a:effectLst>
+                  <a:outerShdw dist="35921" dir="2700000" algn="ctr" rotWithShape="0">
+                    <a:schemeClr val="bg2"/>
+                  </a:outerShdw>
+                </a:effectLst>
+              </a14:hiddenEffects>
+            </a:ext>
+          </a:extLst>
+        </p:spPr>
+      </p:pic>
+    </p:spTree>
+    <p:extLst>
+      <p:ext uri="{BB962C8B-B14F-4D97-AF65-F5344CB8AC3E}">
+        <p14:creationId xmlns:p14="http://schemas.microsoft.com/office/powerpoint/2010/main" val="4081412324"/>
+      </p:ext>
+    </p:extLst>
+  </p:cSld>
+  <p:clrMapOvr>
+    <a:masterClrMapping/>
+  </p:clrMapOvr>
+  <p:timing>
+    <p:tnLst>
+      <p:par>
+        <p:cTn id="1" dur="indefinite" restart="never" nodeType="tmRoot"/>
+      </p:par>
+    </p:tnLst>
+  </p:timing>
 </p:sld>
 </file>
 
@@ -3476,11 +5144,7 @@
           <a:p>
             <a:r>
               <a:rPr lang="en-US" dirty="0" smtClean="0"/>
-              <a:t>Welcom</a:t>
-            </a:r>
-            <a:r>
-              <a:rPr lang="en-US" dirty="0" smtClean="0"/>
-              <a:t>e</a:t>
+              <a:t>Welcome</a:t>
             </a:r>
             <a:endParaRPr lang="en-US" dirty="0"/>
           </a:p>
@@ -3498,7 +5162,9 @@
         </p:nvSpPr>
         <p:spPr/>
         <p:txBody>
-          <a:bodyPr/>
+          <a:bodyPr>
+            <a:normAutofit/>
+          </a:bodyPr>
           <a:lstStyle/>
           <a:p>
             <a:r>
@@ -3507,67 +5173,47 @@
             </a:r>
             <a:r>
               <a:rPr lang="en-US" dirty="0" smtClean="0"/>
-              <a:t> Student Team</a:t>
-            </a:r>
-          </a:p>
-          <a:p>
-            <a:r>
-              <a:rPr lang="en-US" dirty="0" smtClean="0"/>
-              <a:t>Getting started with Grails</a:t>
-            </a:r>
-          </a:p>
-          <a:p>
-            <a:pPr marL="0" indent="0">
-              <a:buNone/>
-            </a:pPr>
-            <a:r>
-              <a:rPr lang="en-US" dirty="0"/>
-              <a:t>	</a:t>
-            </a:r>
-            <a:r>
-              <a:rPr lang="en-US" dirty="0" smtClean="0"/>
-              <a:t>Groovy</a:t>
-            </a:r>
-          </a:p>
-          <a:p>
-            <a:pPr marL="0" indent="0">
-              <a:buNone/>
-            </a:pPr>
-            <a:r>
-              <a:rPr lang="en-US" dirty="0"/>
-              <a:t>	</a:t>
-            </a:r>
-            <a:r>
-              <a:rPr lang="en-US" dirty="0" smtClean="0"/>
-              <a:t>Hibernate</a:t>
-            </a:r>
-          </a:p>
-          <a:p>
-            <a:pPr marL="0" indent="0">
-              <a:buNone/>
-            </a:pPr>
-            <a:r>
-              <a:rPr lang="en-US" dirty="0"/>
-              <a:t>	</a:t>
-            </a:r>
-            <a:r>
-              <a:rPr lang="en-US" dirty="0" smtClean="0"/>
-              <a:t>Spring</a:t>
-            </a:r>
-          </a:p>
-          <a:p>
-            <a:pPr marL="0" indent="0">
-              <a:buNone/>
-            </a:pPr>
-            <a:r>
-              <a:rPr lang="en-US" dirty="0"/>
-              <a:t>	</a:t>
-            </a:r>
-            <a:r>
-              <a:rPr lang="en-US" dirty="0" smtClean="0"/>
-              <a:t>Grails</a:t>
-            </a:r>
-            <a:endParaRPr lang="en-US" dirty="0"/>
+              <a:t> Student </a:t>
+            </a:r>
+            <a:r>
+              <a:rPr lang="en-US" dirty="0" smtClean="0"/>
+              <a:t>Team</a:t>
+            </a:r>
+          </a:p>
+          <a:p>
+            <a:pPr lvl="1"/>
+            <a:r>
+              <a:rPr lang="en-US" dirty="0" smtClean="0"/>
+              <a:t>Stirling Crow (</a:t>
+            </a:r>
+            <a:r>
+              <a:rPr lang="en-US" dirty="0" smtClean="0">
+                <a:hlinkClick r:id="rId2"/>
+              </a:rPr>
+              <a:t>stirlingcrow@unm.edu</a:t>
+            </a:r>
+            <a:r>
+              <a:rPr lang="en-US" dirty="0" smtClean="0"/>
+              <a:t>)</a:t>
+            </a:r>
+          </a:p>
+          <a:p>
+            <a:pPr lvl="1"/>
+            <a:r>
+              <a:rPr lang="en-US" dirty="0" smtClean="0"/>
+              <a:t>Jason Foutz (</a:t>
+            </a:r>
+            <a:r>
+              <a:rPr lang="en-US" dirty="0" smtClean="0">
+                <a:hlinkClick r:id="rId3"/>
+              </a:rPr>
+              <a:t>jwfoutz@unm.edu</a:t>
+            </a:r>
+            <a:r>
+              <a:rPr lang="en-US" dirty="0" smtClean="0"/>
+              <a:t>)</a:t>
+            </a:r>
+            <a:endParaRPr lang="en-US" dirty="0" smtClean="0"/>
           </a:p>
         </p:txBody>
       </p:sp>
@@ -3581,6 +5227,374 @@
   <p:clrMapOvr>
     <a:masterClrMapping/>
   </p:clrMapOvr>
+  <p:timing>
+    <p:tnLst>
+      <p:par>
+        <p:cTn id="1" dur="indefinite" restart="never" nodeType="tmRoot"/>
+      </p:par>
+    </p:tnLst>
+  </p:timing>
+</p:sld>
+</file>
+
+<file path=ppt/slides/slide20.xml><?xml version="1.0" encoding="utf-8"?>
+<p:sld xmlns:a="http://schemas.openxmlformats.org/drawingml/2006/main" xmlns:r="http://schemas.openxmlformats.org/officeDocument/2006/relationships" xmlns:p="http://schemas.openxmlformats.org/presentationml/2006/main">
+  <p:cSld>
+    <p:spTree>
+      <p:nvGrpSpPr>
+        <p:cNvPr id="1" name=""/>
+        <p:cNvGrpSpPr/>
+        <p:nvPr/>
+      </p:nvGrpSpPr>
+      <p:grpSpPr>
+        <a:xfrm>
+          <a:off x="0" y="0"/>
+          <a:ext cx="0" cy="0"/>
+          <a:chOff x="0" y="0"/>
+          <a:chExt cx="0" cy="0"/>
+        </a:xfrm>
+      </p:grpSpPr>
+      <p:sp>
+        <p:nvSpPr>
+          <p:cNvPr id="2" name="Title 1"/>
+          <p:cNvSpPr>
+            <a:spLocks noGrp="1"/>
+          </p:cNvSpPr>
+          <p:nvPr>
+            <p:ph type="title"/>
+          </p:nvPr>
+        </p:nvSpPr>
+        <p:spPr/>
+        <p:txBody>
+          <a:bodyPr>
+            <a:normAutofit/>
+          </a:bodyPr>
+          <a:lstStyle/>
+          <a:p>
+            <a:r>
+              <a:rPr lang="en-US" dirty="0" smtClean="0"/>
+              <a:t>University Policy</a:t>
+            </a:r>
+            <a:endParaRPr lang="en-US" dirty="0"/>
+          </a:p>
+        </p:txBody>
+      </p:sp>
+      <p:sp>
+        <p:nvSpPr>
+          <p:cNvPr id="3" name="Content Placeholder 2"/>
+          <p:cNvSpPr>
+            <a:spLocks noGrp="1"/>
+          </p:cNvSpPr>
+          <p:nvPr>
+            <p:ph idx="1"/>
+          </p:nvPr>
+        </p:nvSpPr>
+        <p:spPr/>
+        <p:txBody>
+          <a:bodyPr/>
+          <a:lstStyle/>
+          <a:p>
+            <a:r>
+              <a:rPr lang="en-US" dirty="0" smtClean="0"/>
+              <a:t>Did we build it right?</a:t>
+            </a:r>
+          </a:p>
+          <a:p>
+            <a:r>
+              <a:rPr lang="en-US" dirty="0" smtClean="0"/>
+              <a:t>FERPA</a:t>
+            </a:r>
+            <a:endParaRPr lang="en-US" dirty="0" smtClean="0"/>
+          </a:p>
+          <a:p>
+            <a:r>
+              <a:rPr lang="en-US" dirty="0" smtClean="0"/>
+              <a:t>Security at all layers</a:t>
+            </a:r>
+            <a:endParaRPr lang="en-US" dirty="0"/>
+          </a:p>
+        </p:txBody>
+      </p:sp>
+    </p:spTree>
+    <p:extLst>
+      <p:ext uri="{BB962C8B-B14F-4D97-AF65-F5344CB8AC3E}">
+        <p14:creationId xmlns:p14="http://schemas.microsoft.com/office/powerpoint/2010/main" val="3142513233"/>
+      </p:ext>
+    </p:extLst>
+  </p:cSld>
+  <p:clrMapOvr>
+    <a:masterClrMapping/>
+  </p:clrMapOvr>
+  <p:timing>
+    <p:tnLst>
+      <p:par>
+        <p:cTn id="1" dur="indefinite" restart="never" nodeType="tmRoot"/>
+      </p:par>
+    </p:tnLst>
+  </p:timing>
+</p:sld>
+</file>
+
+<file path=ppt/slides/slide21.xml><?xml version="1.0" encoding="utf-8"?>
+<p:sld xmlns:a="http://schemas.openxmlformats.org/drawingml/2006/main" xmlns:r="http://schemas.openxmlformats.org/officeDocument/2006/relationships" xmlns:p="http://schemas.openxmlformats.org/presentationml/2006/main">
+  <p:cSld>
+    <p:spTree>
+      <p:nvGrpSpPr>
+        <p:cNvPr id="1" name=""/>
+        <p:cNvGrpSpPr/>
+        <p:nvPr/>
+      </p:nvGrpSpPr>
+      <p:grpSpPr>
+        <a:xfrm>
+          <a:off x="0" y="0"/>
+          <a:ext cx="0" cy="0"/>
+          <a:chOff x="0" y="0"/>
+          <a:chExt cx="0" cy="0"/>
+        </a:xfrm>
+      </p:grpSpPr>
+      <p:sp>
+        <p:nvSpPr>
+          <p:cNvPr id="2" name="Title 1"/>
+          <p:cNvSpPr>
+            <a:spLocks noGrp="1"/>
+          </p:cNvSpPr>
+          <p:nvPr>
+            <p:ph type="title"/>
+          </p:nvPr>
+        </p:nvSpPr>
+        <p:spPr/>
+        <p:txBody>
+          <a:bodyPr/>
+          <a:lstStyle/>
+          <a:p>
+            <a:r>
+              <a:rPr lang="en-US" dirty="0" smtClean="0"/>
+              <a:t>New </a:t>
+            </a:r>
+            <a:r>
+              <a:rPr lang="en-US" dirty="0" smtClean="0"/>
+              <a:t>Tools for New Development</a:t>
+            </a:r>
+            <a:endParaRPr lang="en-US" dirty="0"/>
+          </a:p>
+        </p:txBody>
+      </p:sp>
+      <p:sp>
+        <p:nvSpPr>
+          <p:cNvPr id="3" name="Content Placeholder 2"/>
+          <p:cNvSpPr>
+            <a:spLocks noGrp="1"/>
+          </p:cNvSpPr>
+          <p:nvPr>
+            <p:ph idx="1"/>
+          </p:nvPr>
+        </p:nvSpPr>
+        <p:spPr/>
+        <p:txBody>
+          <a:bodyPr/>
+          <a:lstStyle/>
+          <a:p>
+            <a:r>
+              <a:rPr lang="en-US" dirty="0" smtClean="0"/>
+              <a:t>Issue tracking - JIRA</a:t>
+            </a:r>
+            <a:endParaRPr lang="en-US" dirty="0" smtClean="0"/>
+          </a:p>
+          <a:p>
+            <a:r>
+              <a:rPr lang="en-US" dirty="0" smtClean="0"/>
+              <a:t>Documentation - Confluence</a:t>
+            </a:r>
+            <a:endParaRPr lang="en-US" dirty="0" smtClean="0"/>
+          </a:p>
+          <a:p>
+            <a:r>
+              <a:rPr lang="en-US" dirty="0" smtClean="0"/>
+              <a:t>Version </a:t>
+            </a:r>
+            <a:r>
+              <a:rPr lang="en-US" dirty="0" smtClean="0"/>
+              <a:t>Control - </a:t>
+            </a:r>
+            <a:r>
+              <a:rPr lang="en-US" dirty="0" err="1" smtClean="0"/>
+              <a:t>GitHub</a:t>
+            </a:r>
+            <a:endParaRPr lang="en-US" dirty="0"/>
+          </a:p>
+        </p:txBody>
+      </p:sp>
+    </p:spTree>
+    <p:extLst>
+      <p:ext uri="{BB962C8B-B14F-4D97-AF65-F5344CB8AC3E}">
+        <p14:creationId xmlns:p14="http://schemas.microsoft.com/office/powerpoint/2010/main" val="3748608196"/>
+      </p:ext>
+    </p:extLst>
+  </p:cSld>
+  <p:clrMapOvr>
+    <a:masterClrMapping/>
+  </p:clrMapOvr>
+  <p:timing>
+    <p:tnLst>
+      <p:par>
+        <p:cTn id="1" dur="indefinite" restart="never" nodeType="tmRoot"/>
+      </p:par>
+    </p:tnLst>
+  </p:timing>
+</p:sld>
+</file>
+
+<file path=ppt/slides/slide22.xml><?xml version="1.0" encoding="utf-8"?>
+<p:sld xmlns:a="http://schemas.openxmlformats.org/drawingml/2006/main" xmlns:r="http://schemas.openxmlformats.org/officeDocument/2006/relationships" xmlns:p="http://schemas.openxmlformats.org/presentationml/2006/main">
+  <p:cSld>
+    <p:spTree>
+      <p:nvGrpSpPr>
+        <p:cNvPr id="1" name=""/>
+        <p:cNvGrpSpPr/>
+        <p:nvPr/>
+      </p:nvGrpSpPr>
+      <p:grpSpPr>
+        <a:xfrm>
+          <a:off x="0" y="0"/>
+          <a:ext cx="0" cy="0"/>
+          <a:chOff x="0" y="0"/>
+          <a:chExt cx="0" cy="0"/>
+        </a:xfrm>
+      </p:grpSpPr>
+      <p:sp>
+        <p:nvSpPr>
+          <p:cNvPr id="2" name="Title 1"/>
+          <p:cNvSpPr>
+            <a:spLocks noGrp="1"/>
+          </p:cNvSpPr>
+          <p:nvPr>
+            <p:ph type="title"/>
+          </p:nvPr>
+        </p:nvSpPr>
+        <p:spPr/>
+        <p:txBody>
+          <a:bodyPr/>
+          <a:lstStyle/>
+          <a:p>
+            <a:r>
+              <a:rPr lang="en-US" dirty="0" smtClean="0"/>
+              <a:t>Closing</a:t>
+            </a:r>
+            <a:endParaRPr lang="en-US" dirty="0"/>
+          </a:p>
+        </p:txBody>
+      </p:sp>
+      <p:sp>
+        <p:nvSpPr>
+          <p:cNvPr id="3" name="Content Placeholder 2"/>
+          <p:cNvSpPr>
+            <a:spLocks noGrp="1"/>
+          </p:cNvSpPr>
+          <p:nvPr>
+            <p:ph idx="1"/>
+          </p:nvPr>
+        </p:nvSpPr>
+        <p:spPr/>
+        <p:txBody>
+          <a:bodyPr/>
+          <a:lstStyle/>
+          <a:p>
+            <a:endParaRPr lang="en-US" dirty="0"/>
+          </a:p>
+        </p:txBody>
+      </p:sp>
+    </p:spTree>
+    <p:extLst>
+      <p:ext uri="{BB962C8B-B14F-4D97-AF65-F5344CB8AC3E}">
+        <p14:creationId xmlns:p14="http://schemas.microsoft.com/office/powerpoint/2010/main" val="3748608196"/>
+      </p:ext>
+    </p:extLst>
+  </p:cSld>
+  <p:clrMapOvr>
+    <a:masterClrMapping/>
+  </p:clrMapOvr>
+  <p:timing>
+    <p:tnLst>
+      <p:par>
+        <p:cTn id="1" dur="indefinite" restart="never" nodeType="tmRoot"/>
+      </p:par>
+    </p:tnLst>
+  </p:timing>
+</p:sld>
+</file>
+
+<file path=ppt/slides/slide23.xml><?xml version="1.0" encoding="utf-8"?>
+<p:sld xmlns:a="http://schemas.openxmlformats.org/drawingml/2006/main" xmlns:r="http://schemas.openxmlformats.org/officeDocument/2006/relationships" xmlns:p="http://schemas.openxmlformats.org/presentationml/2006/main">
+  <p:cSld>
+    <p:spTree>
+      <p:nvGrpSpPr>
+        <p:cNvPr id="1" name=""/>
+        <p:cNvGrpSpPr/>
+        <p:nvPr/>
+      </p:nvGrpSpPr>
+      <p:grpSpPr>
+        <a:xfrm>
+          <a:off x="0" y="0"/>
+          <a:ext cx="0" cy="0"/>
+          <a:chOff x="0" y="0"/>
+          <a:chExt cx="0" cy="0"/>
+        </a:xfrm>
+      </p:grpSpPr>
+      <p:sp>
+        <p:nvSpPr>
+          <p:cNvPr id="2" name="Title 1"/>
+          <p:cNvSpPr>
+            <a:spLocks noGrp="1"/>
+          </p:cNvSpPr>
+          <p:nvPr>
+            <p:ph type="title"/>
+          </p:nvPr>
+        </p:nvSpPr>
+        <p:spPr/>
+        <p:txBody>
+          <a:bodyPr/>
+          <a:lstStyle/>
+          <a:p>
+            <a:endParaRPr lang="en-US" dirty="0"/>
+          </a:p>
+        </p:txBody>
+      </p:sp>
+      <p:sp>
+        <p:nvSpPr>
+          <p:cNvPr id="3" name="Content Placeholder 2"/>
+          <p:cNvSpPr>
+            <a:spLocks noGrp="1"/>
+          </p:cNvSpPr>
+          <p:nvPr>
+            <p:ph idx="1"/>
+          </p:nvPr>
+        </p:nvSpPr>
+        <p:spPr/>
+        <p:txBody>
+          <a:bodyPr/>
+          <a:lstStyle/>
+          <a:p>
+            <a:endParaRPr lang="en-US" dirty="0"/>
+          </a:p>
+        </p:txBody>
+      </p:sp>
+    </p:spTree>
+    <p:extLst>
+      <p:ext uri="{BB962C8B-B14F-4D97-AF65-F5344CB8AC3E}">
+        <p14:creationId xmlns:p14="http://schemas.microsoft.com/office/powerpoint/2010/main" val="3748608196"/>
+      </p:ext>
+    </p:extLst>
+  </p:cSld>
+  <p:clrMapOvr>
+    <a:masterClrMapping/>
+  </p:clrMapOvr>
+  <p:timing>
+    <p:tnLst>
+      <p:par>
+        <p:cTn id="1" dur="indefinite" restart="never" nodeType="tmRoot"/>
+      </p:par>
+    </p:tnLst>
+  </p:timing>
 </p:sld>
 </file>
 
@@ -3618,7 +5632,7 @@
           <a:p>
             <a:r>
               <a:rPr lang="en-US" dirty="0" smtClean="0"/>
-              <a:t>The Demo</a:t>
+              <a:t>Presentation Overview</a:t>
             </a:r>
             <a:endParaRPr lang="en-US" dirty="0"/>
           </a:p>
@@ -3641,32 +5655,52 @@
           <a:p>
             <a:r>
               <a:rPr lang="en-US" dirty="0" smtClean="0"/>
-              <a:t>Banner ID </a:t>
+              <a:t>Getting Started</a:t>
+            </a:r>
+          </a:p>
+          <a:p>
+            <a:r>
+              <a:rPr lang="en-US" dirty="0" smtClean="0"/>
+              <a:t>Demo</a:t>
+            </a:r>
+          </a:p>
+          <a:p>
+            <a:r>
+              <a:rPr lang="en-US" dirty="0" smtClean="0"/>
+              <a:t>Walk-Through Code</a:t>
+            </a:r>
+          </a:p>
+          <a:p>
+            <a:r>
+              <a:rPr lang="en-US" dirty="0" smtClean="0"/>
+              <a:t>Deployment Environments</a:t>
+            </a:r>
+          </a:p>
+          <a:p>
+            <a:r>
+              <a:rPr lang="en-US" dirty="0" smtClean="0"/>
+              <a:t>Source Code on </a:t>
             </a:r>
             <a:r>
               <a:rPr lang="en-US" dirty="0" err="1" smtClean="0"/>
-              <a:t>vs</a:t>
-            </a:r>
-            <a:r>
-              <a:rPr lang="en-US" dirty="0" smtClean="0"/>
-              <a:t> </a:t>
-            </a:r>
+              <a:t>GitHub</a:t>
+            </a:r>
+            <a:endParaRPr lang="en-US" dirty="0" smtClean="0"/>
+          </a:p>
+          <a:p>
             <a:r>
               <a:rPr lang="en-US" dirty="0" err="1" smtClean="0"/>
-              <a:t>Pidm</a:t>
-            </a:r>
-            <a:endParaRPr lang="en-US" dirty="0" smtClean="0"/>
-          </a:p>
-          <a:p>
-            <a:r>
-              <a:rPr lang="en-US" dirty="0" smtClean="0"/>
-              <a:t>Why we need this</a:t>
-            </a:r>
-          </a:p>
-          <a:p>
-            <a:r>
-              <a:rPr lang="en-US" dirty="0" smtClean="0"/>
-              <a:t>Why a simple example is great</a:t>
+              <a:t>Unviersity</a:t>
+            </a:r>
+            <a:r>
+              <a:rPr lang="en-US" dirty="0" smtClean="0"/>
+              <a:t> Policy</a:t>
+            </a:r>
+          </a:p>
+          <a:p>
+            <a:r>
+              <a:rPr lang="en-US" dirty="0" smtClean="0"/>
+              <a:t>New Tools for New Development</a:t>
             </a:r>
             <a:endParaRPr lang="en-US" dirty="0"/>
           </a:p>
@@ -3675,7 +5709,7 @@
     </p:spTree>
     <p:extLst>
       <p:ext uri="{BB962C8B-B14F-4D97-AF65-F5344CB8AC3E}">
-        <p14:creationId xmlns:p14="http://schemas.microsoft.com/office/powerpoint/2010/main" val="2519025964"/>
+        <p14:creationId xmlns:p14="http://schemas.microsoft.com/office/powerpoint/2010/main" val="2704485253"/>
       </p:ext>
     </p:extLst>
   </p:cSld>
@@ -3719,7 +5753,7 @@
           <a:p>
             <a:r>
               <a:rPr lang="en-US" dirty="0" smtClean="0"/>
-              <a:t>Source Code Tour</a:t>
+              <a:t>Getting Started</a:t>
             </a:r>
             <a:endParaRPr lang="en-US" dirty="0"/>
           </a:p>
@@ -3742,26 +5776,34 @@
           <a:p>
             <a:r>
               <a:rPr lang="en-US" dirty="0" smtClean="0"/>
-              <a:t>MVC</a:t>
-            </a:r>
-          </a:p>
-          <a:p>
-            <a:r>
-              <a:rPr lang="en-US" dirty="0" smtClean="0"/>
-              <a:t>Models are Domain Models</a:t>
-            </a:r>
-          </a:p>
-          <a:p>
-            <a:r>
-              <a:rPr lang="en-US" dirty="0" smtClean="0"/>
-              <a:t>Views are Views</a:t>
-            </a:r>
-          </a:p>
-          <a:p>
-            <a:r>
-              <a:rPr lang="en-US" dirty="0" smtClean="0"/>
-              <a:t>Controllers are Controllers</a:t>
-            </a:r>
+              <a:t>Java</a:t>
+            </a:r>
+          </a:p>
+          <a:p>
+            <a:r>
+              <a:rPr lang="en-US" dirty="0" smtClean="0"/>
+              <a:t>Spring Framework</a:t>
+            </a:r>
+          </a:p>
+          <a:p>
+            <a:r>
+              <a:rPr lang="en-US" dirty="0" smtClean="0"/>
+              <a:t>Groovy</a:t>
+            </a:r>
+          </a:p>
+          <a:p>
+            <a:r>
+              <a:rPr lang="en-US" dirty="0" smtClean="0"/>
+              <a:t>Hibernate</a:t>
+            </a:r>
+          </a:p>
+          <a:p>
+            <a:r>
+              <a:rPr lang="en-US" dirty="0" smtClean="0"/>
+              <a:t>Grails</a:t>
+            </a:r>
+          </a:p>
+          <a:p>
             <a:endParaRPr lang="en-US" dirty="0"/>
           </a:p>
         </p:txBody>
@@ -3769,7 +5811,7 @@
     </p:spTree>
     <p:extLst>
       <p:ext uri="{BB962C8B-B14F-4D97-AF65-F5344CB8AC3E}">
-        <p14:creationId xmlns:p14="http://schemas.microsoft.com/office/powerpoint/2010/main" val="2519025964"/>
+        <p14:creationId xmlns:p14="http://schemas.microsoft.com/office/powerpoint/2010/main" val="3686611674"/>
       </p:ext>
     </p:extLst>
   </p:cSld>
@@ -3813,7 +5855,7 @@
           <a:p>
             <a:r>
               <a:rPr lang="en-US" dirty="0" smtClean="0"/>
-              <a:t>Source Code Tour</a:t>
+              <a:t>Demo</a:t>
             </a:r>
             <a:endParaRPr lang="en-US" dirty="0"/>
           </a:p>
@@ -3836,15 +5878,52 @@
           <a:p>
             <a:r>
               <a:rPr lang="en-US" dirty="0" smtClean="0"/>
-              <a:t>Spring Plugins</a:t>
-            </a:r>
-          </a:p>
-          <a:p>
-            <a:r>
-              <a:rPr lang="en-US" dirty="0" smtClean="0"/>
-              <a:t>Spring Inversion of Control</a:t>
-            </a:r>
-            <a:endParaRPr lang="en-US" dirty="0"/>
+              <a:t>We wanted to build a simple application that was also useful.</a:t>
+            </a:r>
+          </a:p>
+          <a:p>
+            <a:r>
+              <a:rPr lang="en-US" dirty="0" smtClean="0"/>
+              <a:t>SPRIDEN - Banner </a:t>
+            </a:r>
+            <a:r>
+              <a:rPr lang="en-US" dirty="0" smtClean="0"/>
+              <a:t>ID </a:t>
+            </a:r>
+            <a:r>
+              <a:rPr lang="en-US" dirty="0" err="1" smtClean="0"/>
+              <a:t>vs</a:t>
+            </a:r>
+            <a:r>
+              <a:rPr lang="en-US" dirty="0" smtClean="0"/>
+              <a:t> </a:t>
+            </a:r>
+            <a:r>
+              <a:rPr lang="en-US" dirty="0" err="1" smtClean="0"/>
+              <a:t>Pidm</a:t>
+            </a:r>
+            <a:endParaRPr lang="en-US" dirty="0" smtClean="0"/>
+          </a:p>
+          <a:p>
+            <a:r>
+              <a:rPr lang="en-US" dirty="0" smtClean="0"/>
+              <a:t>Demo of </a:t>
+            </a:r>
+            <a:r>
+              <a:rPr lang="en-US" dirty="0" err="1" smtClean="0"/>
+              <a:t>WebLogic</a:t>
+            </a:r>
+            <a:r>
+              <a:rPr lang="en-US" dirty="0" smtClean="0"/>
+              <a:t> Deployment</a:t>
+            </a:r>
+          </a:p>
+          <a:p>
+            <a:r>
+              <a:rPr lang="en-US" dirty="0" smtClean="0"/>
+              <a:t>Demo of Tomcat Deployment on laptop</a:t>
+            </a:r>
+            <a:endParaRPr lang="en-US" dirty="0" smtClean="0"/>
           </a:p>
         </p:txBody>
       </p:sp>
@@ -3858,6 +5937,13 @@
   <p:clrMapOvr>
     <a:masterClrMapping/>
   </p:clrMapOvr>
+  <p:timing>
+    <p:tnLst>
+      <p:par>
+        <p:cTn id="1" dur="indefinite" restart="never" nodeType="tmRoot"/>
+      </p:par>
+    </p:tnLst>
+  </p:timing>
 </p:sld>
 </file>
 
@@ -3893,55 +5979,97 @@
           <a:bodyPr/>
           <a:lstStyle/>
           <a:p>
-            <a:r>
-              <a:rPr lang="en-US" dirty="0" smtClean="0"/>
-              <a:t>Deployment Challenges</a:t>
-            </a:r>
+            <a:endParaRPr lang="en-US"/>
+          </a:p>
+        </p:txBody>
+      </p:sp>
+      <p:sp>
+        <p:nvSpPr>
+          <p:cNvPr id="3" name="Content Placeholder 2"/>
+          <p:cNvSpPr>
+            <a:spLocks noGrp="1"/>
+          </p:cNvSpPr>
+          <p:nvPr>
+            <p:ph idx="1"/>
+          </p:nvPr>
+        </p:nvSpPr>
+        <p:spPr/>
+        <p:txBody>
+          <a:bodyPr/>
+          <a:lstStyle/>
+          <a:p>
             <a:endParaRPr lang="en-US" dirty="0"/>
           </a:p>
         </p:txBody>
       </p:sp>
-      <p:sp>
-        <p:nvSpPr>
-          <p:cNvPr id="3" name="Content Placeholder 2"/>
-          <p:cNvSpPr>
-            <a:spLocks noGrp="1"/>
-          </p:cNvSpPr>
-          <p:nvPr>
-            <p:ph idx="1"/>
-          </p:nvPr>
-        </p:nvSpPr>
-        <p:spPr/>
-        <p:txBody>
-          <a:bodyPr/>
-          <a:lstStyle/>
-          <a:p>
-            <a:r>
-              <a:rPr lang="en-US" dirty="0" smtClean="0"/>
-              <a:t>UNM already has </a:t>
-            </a:r>
-            <a:r>
-              <a:rPr lang="en-US" dirty="0" err="1" smtClean="0"/>
-              <a:t>WebLogic</a:t>
-            </a:r>
-            <a:r>
-              <a:rPr lang="en-US" dirty="0" smtClean="0"/>
-              <a:t> in production</a:t>
-            </a:r>
-          </a:p>
-          <a:p>
-            <a:r>
-              <a:rPr lang="en-US" dirty="0" smtClean="0"/>
-              <a:t>Many challenges moving from a developer environment to a production environment</a:t>
-            </a:r>
-            <a:endParaRPr lang="en-US" dirty="0"/>
-          </a:p>
-        </p:txBody>
-      </p:sp>
+      <p:pic>
+        <p:nvPicPr>
+          <p:cNvPr id="1029" name="Picture 5"/>
+          <p:cNvPicPr>
+            <a:picLocks noChangeAspect="1" noChangeArrowheads="1"/>
+          </p:cNvPicPr>
+          <p:nvPr/>
+        </p:nvPicPr>
+        <p:blipFill>
+          <a:blip r:embed="rId2">
+            <a:extLst>
+              <a:ext uri="{28A0092B-C50C-407E-A947-70E740481C1C}">
+                <a14:useLocalDpi xmlns:a14="http://schemas.microsoft.com/office/drawing/2010/main" val="0"/>
+              </a:ext>
+            </a:extLst>
+          </a:blip>
+          <a:srcRect/>
+          <a:stretch>
+            <a:fillRect/>
+          </a:stretch>
+        </p:blipFill>
+        <p:spPr bwMode="auto">
+          <a:xfrm>
+            <a:off x="0" y="0"/>
+            <a:ext cx="9753600" cy="6934200"/>
+          </a:xfrm>
+          <a:prstGeom prst="rect">
+            <a:avLst/>
+          </a:prstGeom>
+          <a:noFill/>
+          <a:ln>
+            <a:noFill/>
+          </a:ln>
+          <a:effectLst/>
+          <a:extLst>
+            <a:ext uri="{909E8E84-426E-40DD-AFC4-6F175D3DCCD1}">
+              <a14:hiddenFill xmlns:a14="http://schemas.microsoft.com/office/drawing/2010/main">
+                <a:solidFill>
+                  <a:schemeClr val="accent1"/>
+                </a:solidFill>
+              </a14:hiddenFill>
+            </a:ext>
+            <a:ext uri="{91240B29-F687-4F45-9708-019B960494DF}">
+              <a14:hiddenLine xmlns:a14="http://schemas.microsoft.com/office/drawing/2010/main" w="9525">
+                <a:solidFill>
+                  <a:schemeClr val="tx1"/>
+                </a:solidFill>
+                <a:miter lim="800000"/>
+                <a:headEnd/>
+                <a:tailEnd/>
+              </a14:hiddenLine>
+            </a:ext>
+            <a:ext uri="{AF507438-7753-43E0-B8FC-AC1667EBCBE1}">
+              <a14:hiddenEffects xmlns:a14="http://schemas.microsoft.com/office/drawing/2010/main">
+                <a:effectLst>
+                  <a:outerShdw dist="35921" dir="2700000" algn="ctr" rotWithShape="0">
+                    <a:schemeClr val="bg2"/>
+                  </a:outerShdw>
+                </a:effectLst>
+              </a14:hiddenEffects>
+            </a:ext>
+          </a:extLst>
+        </p:spPr>
+      </p:pic>
     </p:spTree>
     <p:extLst>
       <p:ext uri="{BB962C8B-B14F-4D97-AF65-F5344CB8AC3E}">
-        <p14:creationId xmlns:p14="http://schemas.microsoft.com/office/powerpoint/2010/main" val="2519025964"/>
+        <p14:creationId xmlns:p14="http://schemas.microsoft.com/office/powerpoint/2010/main" val="1670503067"/>
       </p:ext>
     </p:extLst>
   </p:cSld>
@@ -3983,11 +6111,7 @@
           <a:bodyPr/>
           <a:lstStyle/>
           <a:p>
-            <a:r>
-              <a:rPr lang="en-US" dirty="0" smtClean="0"/>
-              <a:t>Did we build it right?</a:t>
-            </a:r>
-            <a:endParaRPr lang="en-US" dirty="0"/>
+            <a:endParaRPr lang="en-US"/>
           </a:p>
         </p:txBody>
       </p:sp>
@@ -4006,24 +6130,78 @@
           <a:bodyPr/>
           <a:lstStyle/>
           <a:p>
-            <a:r>
-              <a:rPr lang="en-US" dirty="0" smtClean="0"/>
-              <a:t>FERPA</a:t>
-            </a:r>
-          </a:p>
-          <a:p>
-            <a:r>
-              <a:rPr lang="en-US" dirty="0" smtClean="0"/>
-              <a:t>Security at all layers</a:t>
-            </a:r>
-            <a:endParaRPr lang="en-US" dirty="0"/>
-          </a:p>
-        </p:txBody>
-      </p:sp>
+            <a:endParaRPr lang="en-US"/>
+          </a:p>
+        </p:txBody>
+      </p:sp>
+      <p:pic>
+        <p:nvPicPr>
+          <p:cNvPr id="2051" name="Picture 3"/>
+          <p:cNvPicPr>
+            <a:picLocks noChangeAspect="1" noChangeArrowheads="1"/>
+          </p:cNvPicPr>
+          <p:nvPr/>
+        </p:nvPicPr>
+        <p:blipFill>
+          <a:blip r:embed="rId2">
+            <a:extLst>
+              <a:ext uri="{28A0092B-C50C-407E-A947-70E740481C1C}">
+                <a14:useLocalDpi xmlns:a14="http://schemas.microsoft.com/office/drawing/2010/main" val="0"/>
+              </a:ext>
+            </a:extLst>
+          </a:blip>
+          <a:srcRect/>
+          <a:stretch>
+            <a:fillRect/>
+          </a:stretch>
+        </p:blipFill>
+        <p:spPr bwMode="auto">
+          <a:xfrm>
+            <a:off x="-304800" y="-38100"/>
+            <a:ext cx="9753600" cy="6934200"/>
+          </a:xfrm>
+          <a:prstGeom prst="rect">
+            <a:avLst/>
+          </a:prstGeom>
+          <a:noFill/>
+          <a:ln>
+            <a:noFill/>
+          </a:ln>
+          <a:effectLst/>
+          <a:extLst>
+            <a:ext uri="{909E8E84-426E-40DD-AFC4-6F175D3DCCD1}">
+              <a14:hiddenFill xmlns:a14="http://schemas.microsoft.com/office/drawing/2010/main">
+                <a:solidFill>
+                  <a:schemeClr val="accent1"/>
+                </a:solidFill>
+              </a14:hiddenFill>
+            </a:ext>
+            <a:ext uri="{91240B29-F687-4F45-9708-019B960494DF}">
+              <a14:hiddenLine xmlns:a14="http://schemas.microsoft.com/office/drawing/2010/main" w="9525">
+                <a:solidFill>
+                  <a:schemeClr val="tx1"/>
+                </a:solidFill>
+                <a:miter lim="800000"/>
+                <a:headEnd/>
+                <a:tailEnd/>
+              </a14:hiddenLine>
+            </a:ext>
+            <a:ext uri="{AF507438-7753-43E0-B8FC-AC1667EBCBE1}">
+              <a14:hiddenEffects xmlns:a14="http://schemas.microsoft.com/office/drawing/2010/main">
+                <a:effectLst>
+                  <a:outerShdw dist="35921" dir="2700000" algn="ctr" rotWithShape="0">
+                    <a:schemeClr val="bg2"/>
+                  </a:outerShdw>
+                </a:effectLst>
+              </a14:hiddenEffects>
+            </a:ext>
+          </a:extLst>
+        </p:spPr>
+      </p:pic>
     </p:spTree>
     <p:extLst>
       <p:ext uri="{BB962C8B-B14F-4D97-AF65-F5344CB8AC3E}">
-        <p14:creationId xmlns:p14="http://schemas.microsoft.com/office/powerpoint/2010/main" val="3142513233"/>
+        <p14:creationId xmlns:p14="http://schemas.microsoft.com/office/powerpoint/2010/main" val="1345649660"/>
       </p:ext>
     </p:extLst>
   </p:cSld>
@@ -4067,7 +6245,7 @@
           <a:p>
             <a:r>
               <a:rPr lang="en-US" dirty="0" smtClean="0"/>
-              <a:t>New Tools</a:t>
+              <a:t>Source Code Tour</a:t>
             </a:r>
             <a:endParaRPr lang="en-US" dirty="0"/>
           </a:p>
@@ -4090,20 +6268,70 @@
           <a:p>
             <a:r>
               <a:rPr lang="en-US" dirty="0" smtClean="0"/>
-              <a:t>Issue tracking</a:t>
-            </a:r>
-          </a:p>
-          <a:p>
-            <a:r>
-              <a:rPr lang="en-US" dirty="0" smtClean="0"/>
-              <a:t>Documentation</a:t>
-            </a:r>
-          </a:p>
-          <a:p>
-            <a:r>
-              <a:rPr lang="en-US" smtClean="0"/>
-              <a:t>Version Control</a:t>
-            </a:r>
+              <a:t>MVC Framework</a:t>
+            </a:r>
+            <a:endParaRPr lang="en-US" dirty="0" smtClean="0"/>
+          </a:p>
+          <a:p>
+            <a:pPr lvl="1"/>
+            <a:r>
+              <a:rPr lang="en-US" dirty="0" smtClean="0"/>
+              <a:t>Models/Domains = Table Column Specs</a:t>
+            </a:r>
+            <a:endParaRPr lang="en-US" dirty="0" smtClean="0"/>
+          </a:p>
+          <a:p>
+            <a:pPr lvl="1"/>
+            <a:r>
+              <a:rPr lang="en-US" dirty="0" smtClean="0"/>
+              <a:t>Views </a:t>
+            </a:r>
+            <a:r>
+              <a:rPr lang="en-US" dirty="0" smtClean="0"/>
+              <a:t>– Display HTML info to users</a:t>
+            </a:r>
+            <a:endParaRPr lang="en-US" dirty="0" smtClean="0"/>
+          </a:p>
+          <a:p>
+            <a:pPr lvl="1"/>
+            <a:r>
+              <a:rPr lang="en-US" dirty="0" smtClean="0"/>
+              <a:t>Controllers </a:t>
+            </a:r>
+            <a:r>
+              <a:rPr lang="en-US" dirty="0" smtClean="0"/>
+              <a:t>– perform logic, return info to views</a:t>
+            </a:r>
+          </a:p>
+          <a:p>
+            <a:r>
+              <a:rPr lang="en-US" dirty="0" smtClean="0"/>
+              <a:t>DB Connection</a:t>
+            </a:r>
+          </a:p>
+          <a:p>
+            <a:pPr lvl="1"/>
+            <a:r>
+              <a:rPr lang="en-US" dirty="0" smtClean="0"/>
+              <a:t>JDBC</a:t>
+            </a:r>
+          </a:p>
+          <a:p>
+            <a:pPr lvl="1"/>
+            <a:r>
+              <a:rPr lang="en-US" dirty="0" err="1" smtClean="0"/>
+              <a:t>Datasource</a:t>
+            </a:r>
+            <a:endParaRPr lang="en-US" dirty="0" smtClean="0"/>
+          </a:p>
+          <a:p>
+            <a:r>
+              <a:rPr lang="en-US" dirty="0" smtClean="0"/>
+              <a:t>Customization – Groovy Server Pages</a:t>
+            </a:r>
+            <a:endParaRPr lang="en-US" dirty="0"/>
+          </a:p>
+          <a:p>
             <a:endParaRPr lang="en-US" dirty="0"/>
           </a:p>
         </p:txBody>
@@ -4111,13 +6339,20 @@
     </p:spTree>
     <p:extLst>
       <p:ext uri="{BB962C8B-B14F-4D97-AF65-F5344CB8AC3E}">
-        <p14:creationId xmlns:p14="http://schemas.microsoft.com/office/powerpoint/2010/main" val="3748608196"/>
+        <p14:creationId xmlns:p14="http://schemas.microsoft.com/office/powerpoint/2010/main" val="2519025964"/>
       </p:ext>
     </p:extLst>
   </p:cSld>
   <p:clrMapOvr>
     <a:masterClrMapping/>
   </p:clrMapOvr>
+  <p:timing>
+    <p:tnLst>
+      <p:par>
+        <p:cTn id="1" dur="indefinite" restart="never" nodeType="tmRoot"/>
+      </p:par>
+    </p:tnLst>
+  </p:timing>
 </p:sld>
 </file>
 
@@ -4153,6 +6388,10 @@
           <a:bodyPr/>
           <a:lstStyle/>
           <a:p>
+            <a:r>
+              <a:rPr lang="en-US" dirty="0" smtClean="0"/>
+              <a:t>Model/Domain</a:t>
+            </a:r>
             <a:endParaRPr lang="en-US" dirty="0"/>
           </a:p>
         </p:txBody>
@@ -4172,14 +6411,78 @@
           <a:bodyPr/>
           <a:lstStyle/>
           <a:p>
-            <a:endParaRPr lang="en-US" dirty="0"/>
-          </a:p>
-        </p:txBody>
-      </p:sp>
+            <a:endParaRPr lang="en-US"/>
+          </a:p>
+        </p:txBody>
+      </p:sp>
+      <p:pic>
+        <p:nvPicPr>
+          <p:cNvPr id="8194" name="Picture 2"/>
+          <p:cNvPicPr>
+            <a:picLocks noChangeAspect="1" noChangeArrowheads="1"/>
+          </p:cNvPicPr>
+          <p:nvPr/>
+        </p:nvPicPr>
+        <p:blipFill>
+          <a:blip r:embed="rId2">
+            <a:extLst>
+              <a:ext uri="{28A0092B-C50C-407E-A947-70E740481C1C}">
+                <a14:useLocalDpi xmlns:a14="http://schemas.microsoft.com/office/drawing/2010/main" val="0"/>
+              </a:ext>
+            </a:extLst>
+          </a:blip>
+          <a:srcRect/>
+          <a:stretch>
+            <a:fillRect/>
+          </a:stretch>
+        </p:blipFill>
+        <p:spPr bwMode="auto">
+          <a:xfrm>
+            <a:off x="1524000" y="1385887"/>
+            <a:ext cx="6310312" cy="4906361"/>
+          </a:xfrm>
+          <a:prstGeom prst="rect">
+            <a:avLst/>
+          </a:prstGeom>
+          <a:noFill/>
+          <a:ln>
+            <a:noFill/>
+          </a:ln>
+          <a:effectLst/>
+          <a:extLst>
+            <a:ext uri="{909E8E84-426E-40DD-AFC4-6F175D3DCCD1}">
+              <a14:hiddenFill xmlns:a14="http://schemas.microsoft.com/office/drawing/2010/main">
+                <a:solidFill>
+                  <a:schemeClr val="accent1"/>
+                </a:solidFill>
+              </a14:hiddenFill>
+            </a:ext>
+            <a:ext uri="{91240B29-F687-4F45-9708-019B960494DF}">
+              <a14:hiddenLine xmlns:a14="http://schemas.microsoft.com/office/drawing/2010/main" w="9525">
+                <a:solidFill>
+                  <a:schemeClr val="tx1"/>
+                </a:solidFill>
+                <a:miter lim="800000"/>
+                <a:headEnd/>
+                <a:tailEnd/>
+              </a14:hiddenLine>
+            </a:ext>
+            <a:ext uri="{AF507438-7753-43E0-B8FC-AC1667EBCBE1}">
+              <a14:hiddenEffects xmlns:a14="http://schemas.microsoft.com/office/drawing/2010/main">
+                <a:effectLst>
+                  <a:outerShdw dist="35921" dir="2700000" algn="ctr" rotWithShape="0">
+                    <a:schemeClr val="bg2"/>
+                  </a:outerShdw>
+                </a:effectLst>
+              </a14:hiddenEffects>
+            </a:ext>
+          </a:extLst>
+        </p:spPr>
+      </p:pic>
     </p:spTree>
     <p:extLst>
       <p:ext uri="{BB962C8B-B14F-4D97-AF65-F5344CB8AC3E}">
-        <p14:creationId xmlns:p14="http://schemas.microsoft.com/office/powerpoint/2010/main" val="3748608196"/>
+        <p14:creationId xmlns:p14="http://schemas.microsoft.com/office/powerpoint/2010/main" val="26124848"/>
       </p:ext>
     </p:extLst>
   </p:cSld>
@@ -4475,29 +6778,6 @@
 </file>
 
 <file path=customXml/item1.xml><?xml version="1.0" encoding="utf-8"?>
-<?mso-contentType ?>
-<FormTemplates xmlns="http://schemas.microsoft.com/sharepoint/v3/contenttype/forms">
-  <Display>DocumentLibraryForm</Display>
-  <Edit>DocumentLibraryForm</Edit>
-  <New>DocumentLibraryForm</New>
-</FormTemplates>
-</file>
-
-<file path=customXml/item2.xml><?xml version="1.0" encoding="utf-8"?>
-<p:properties xmlns:p="http://schemas.microsoft.com/office/2006/metadata/properties" xmlns:xsi="http://www.w3.org/2001/XMLSchema-instance" xmlns:pc="http://schemas.microsoft.com/office/infopath/2007/PartnerControls">
-  <documentManagement>
-    <Site_x0020_Owner xmlns="3e8f561a-6839-402c-8c9e-fb08061cda6f">
-      <UserInfo>
-        <DisplayName/>
-        <AccountId xsi:nil="true"/>
-        <AccountType/>
-      </UserInfo>
-    </Site_x0020_Owner>
-  </documentManagement>
-</p:properties>
-</file>
-
-<file path=customXml/item3.xml><?xml version="1.0" encoding="utf-8"?>
 <ct:contentTypeSchema xmlns:ct="http://schemas.microsoft.com/office/2006/metadata/contentType" xmlns:ma="http://schemas.microsoft.com/office/2006/metadata/properties/metaAttributes" ct:_="" ma:_="" ma:contentTypeName="Document" ma:contentTypeID="0x0101006893F63811EDF54098BF6D50731B4A84" ma:contentTypeVersion="1" ma:contentTypeDescription="Create a new document." ma:contentTypeScope="" ma:versionID="058f643e437de9c9f072ff1756d77298">
   <xsd:schema xmlns:xsd="http://www.w3.org/2001/XMLSchema" xmlns:xs="http://www.w3.org/2001/XMLSchema" xmlns:p="http://schemas.microsoft.com/office/2006/metadata/properties" xmlns:ns2="3e8f561a-6839-402c-8c9e-fb08061cda6f" targetNamespace="http://schemas.microsoft.com/office/2006/metadata/properties" ma:root="true" ma:fieldsID="ef5694396c65ded36ff8b379d5bf3eac" ns2:_="">
     <xsd:import namespace="3e8f561a-6839-402c-8c9e-fb08061cda6f"/>
@@ -4637,10 +6917,43 @@
 </ct:contentTypeSchema>
 </file>
 
+<file path=customXml/item2.xml><?xml version="1.0" encoding="utf-8"?>
+<p:properties xmlns:p="http://schemas.microsoft.com/office/2006/metadata/properties" xmlns:xsi="http://www.w3.org/2001/XMLSchema-instance" xmlns:pc="http://schemas.microsoft.com/office/infopath/2007/PartnerControls">
+  <documentManagement>
+    <Site_x0020_Owner xmlns="3e8f561a-6839-402c-8c9e-fb08061cda6f">
+      <UserInfo>
+        <DisplayName/>
+        <AccountId xsi:nil="true"/>
+        <AccountType/>
+      </UserInfo>
+    </Site_x0020_Owner>
+  </documentManagement>
+</p:properties>
+</file>
+
+<file path=customXml/item3.xml><?xml version="1.0" encoding="utf-8"?>
+<?mso-contentType ?>
+<FormTemplates xmlns="http://schemas.microsoft.com/sharepoint/v3/contenttype/forms">
+  <Display>DocumentLibraryForm</Display>
+  <Edit>DocumentLibraryForm</Edit>
+  <New>DocumentLibraryForm</New>
+</FormTemplates>
+</file>
+
 <file path=customXml/itemProps1.xml><?xml version="1.0" encoding="utf-8"?>
-<ds:datastoreItem xmlns:ds="http://schemas.openxmlformats.org/officeDocument/2006/customXml" ds:itemID="{E8A3583F-3C7F-40C2-9DD7-8C9611E83D5B}">
+<ds:datastoreItem xmlns:ds="http://schemas.openxmlformats.org/officeDocument/2006/customXml" ds:itemID="{D89A0B57-E227-470D-AF2B-6D3DCFB4B6B9}">
   <ds:schemaRefs>
-    <ds:schemaRef ds:uri="http://schemas.microsoft.com/sharepoint/v3/contenttype/forms"/>
+    <ds:schemaRef ds:uri="http://schemas.microsoft.com/office/2006/metadata/contentType"/>
+    <ds:schemaRef ds:uri="http://schemas.microsoft.com/office/2006/metadata/properties/metaAttributes"/>
+    <ds:schemaRef ds:uri="http://www.w3.org/2001/XMLSchema"/>
+    <ds:schemaRef ds:uri="http://schemas.microsoft.com/office/2006/metadata/properties"/>
+    <ds:schemaRef ds:uri="3e8f561a-6839-402c-8c9e-fb08061cda6f"/>
+    <ds:schemaRef ds:uri="http://schemas.microsoft.com/office/2006/documentManagement/types"/>
+    <ds:schemaRef ds:uri="http://schemas.microsoft.com/office/infopath/2007/PartnerControls"/>
+    <ds:schemaRef ds:uri="http://schemas.openxmlformats.org/package/2006/metadata/core-properties"/>
+    <ds:schemaRef ds:uri="http://purl.org/dc/elements/1.1/"/>
+    <ds:schemaRef ds:uri="http://purl.org/dc/terms/"/>
+    <ds:schemaRef ds:uri="http://schemas.microsoft.com/internal/obd"/>
   </ds:schemaRefs>
 </ds:datastoreItem>
 </file>
@@ -4662,19 +6975,9 @@
 </file>
 
 <file path=customXml/itemProps3.xml><?xml version="1.0" encoding="utf-8"?>
-<ds:datastoreItem xmlns:ds="http://schemas.openxmlformats.org/officeDocument/2006/customXml" ds:itemID="{D89A0B57-E227-470D-AF2B-6D3DCFB4B6B9}">
+<ds:datastoreItem xmlns:ds="http://schemas.openxmlformats.org/officeDocument/2006/customXml" ds:itemID="{E8A3583F-3C7F-40C2-9DD7-8C9611E83D5B}">
   <ds:schemaRefs>
-    <ds:schemaRef ds:uri="http://schemas.microsoft.com/office/2006/metadata/contentType"/>
-    <ds:schemaRef ds:uri="http://schemas.microsoft.com/office/2006/metadata/properties/metaAttributes"/>
-    <ds:schemaRef ds:uri="http://www.w3.org/2001/XMLSchema"/>
-    <ds:schemaRef ds:uri="http://schemas.microsoft.com/office/2006/metadata/properties"/>
-    <ds:schemaRef ds:uri="3e8f561a-6839-402c-8c9e-fb08061cda6f"/>
-    <ds:schemaRef ds:uri="http://schemas.microsoft.com/office/2006/documentManagement/types"/>
-    <ds:schemaRef ds:uri="http://schemas.microsoft.com/office/infopath/2007/PartnerControls"/>
-    <ds:schemaRef ds:uri="http://schemas.openxmlformats.org/package/2006/metadata/core-properties"/>
-    <ds:schemaRef ds:uri="http://purl.org/dc/elements/1.1/"/>
-    <ds:schemaRef ds:uri="http://purl.org/dc/terms/"/>
-    <ds:schemaRef ds:uri="http://schemas.microsoft.com/internal/obd"/>
+    <ds:schemaRef ds:uri="http://schemas.microsoft.com/sharepoint/v3/contenttype/forms"/>
   </ds:schemaRefs>
 </ds:datastoreItem>
 </file>